--- a/主你永遠與我同在.pptx
+++ b/主你永遠與我同在.pptx
@@ -5,10 +5,16 @@
     <p:sldMasterId id="2147483660" r:id="rId1"/>
   </p:sldMasterIdLst>
   <p:sldIdLst>
-    <p:sldId id="257" r:id="rId2"/>
-    <p:sldId id="258" r:id="rId3"/>
-    <p:sldId id="259" r:id="rId4"/>
-    <p:sldId id="260" r:id="rId5"/>
+    <p:sldId id="261" r:id="rId2"/>
+    <p:sldId id="262" r:id="rId3"/>
+    <p:sldId id="263" r:id="rId4"/>
+    <p:sldId id="264" r:id="rId5"/>
+    <p:sldId id="265" r:id="rId6"/>
+    <p:sldId id="266" r:id="rId7"/>
+    <p:sldId id="267" r:id="rId8"/>
+    <p:sldId id="268" r:id="rId9"/>
+    <p:sldId id="269" r:id="rId10"/>
+    <p:sldId id="270" r:id="rId11"/>
   </p:sldIdLst>
   <p:sldSz cx="12192000" cy="6858000"/>
   <p:notesSz cx="6858000" cy="9144000"/>
@@ -107,6 +113,11 @@
       </a:defRPr>
     </a:lvl9pPr>
   </p:defaultTextStyle>
+  <p:extLst>
+    <p:ext uri="{EFAFB233-063F-42B5-8137-9DF3F51BA10A}">
+      <p15:sldGuideLst xmlns:p15="http://schemas.microsoft.com/office/powerpoint/2012/main"/>
+    </p:ext>
+  </p:extLst>
 </p:presentation>
 </file>
 
@@ -291,7 +302,7 @@
           <a:p>
             <a:fld id="{51E03D83-76E9-47BE-9E3E-C113360851A7}" type="datetimeFigureOut">
               <a:rPr lang="vi-VN" smtClean="0"/>
-              <a:t>14/03/2020</a:t>
+              <a:t>28/04/2021</a:t>
             </a:fld>
             <a:endParaRPr lang="vi-VN"/>
           </a:p>
@@ -461,7 +472,7 @@
           <a:p>
             <a:fld id="{51E03D83-76E9-47BE-9E3E-C113360851A7}" type="datetimeFigureOut">
               <a:rPr lang="vi-VN" smtClean="0"/>
-              <a:t>14/03/2020</a:t>
+              <a:t>28/04/2021</a:t>
             </a:fld>
             <a:endParaRPr lang="vi-VN"/>
           </a:p>
@@ -641,7 +652,7 @@
           <a:p>
             <a:fld id="{51E03D83-76E9-47BE-9E3E-C113360851A7}" type="datetimeFigureOut">
               <a:rPr lang="vi-VN" smtClean="0"/>
-              <a:t>14/03/2020</a:t>
+              <a:t>28/04/2021</a:t>
             </a:fld>
             <a:endParaRPr lang="vi-VN"/>
           </a:p>
@@ -811,7 +822,7 @@
           <a:p>
             <a:fld id="{51E03D83-76E9-47BE-9E3E-C113360851A7}" type="datetimeFigureOut">
               <a:rPr lang="vi-VN" smtClean="0"/>
-              <a:t>14/03/2020</a:t>
+              <a:t>28/04/2021</a:t>
             </a:fld>
             <a:endParaRPr lang="vi-VN"/>
           </a:p>
@@ -1057,7 +1068,7 @@
           <a:p>
             <a:fld id="{51E03D83-76E9-47BE-9E3E-C113360851A7}" type="datetimeFigureOut">
               <a:rPr lang="vi-VN" smtClean="0"/>
-              <a:t>14/03/2020</a:t>
+              <a:t>28/04/2021</a:t>
             </a:fld>
             <a:endParaRPr lang="vi-VN"/>
           </a:p>
@@ -1345,7 +1356,7 @@
           <a:p>
             <a:fld id="{51E03D83-76E9-47BE-9E3E-C113360851A7}" type="datetimeFigureOut">
               <a:rPr lang="vi-VN" smtClean="0"/>
-              <a:t>14/03/2020</a:t>
+              <a:t>28/04/2021</a:t>
             </a:fld>
             <a:endParaRPr lang="vi-VN"/>
           </a:p>
@@ -1767,7 +1778,7 @@
           <a:p>
             <a:fld id="{51E03D83-76E9-47BE-9E3E-C113360851A7}" type="datetimeFigureOut">
               <a:rPr lang="vi-VN" smtClean="0"/>
-              <a:t>14/03/2020</a:t>
+              <a:t>28/04/2021</a:t>
             </a:fld>
             <a:endParaRPr lang="vi-VN"/>
           </a:p>
@@ -1885,7 +1896,7 @@
           <a:p>
             <a:fld id="{51E03D83-76E9-47BE-9E3E-C113360851A7}" type="datetimeFigureOut">
               <a:rPr lang="vi-VN" smtClean="0"/>
-              <a:t>14/03/2020</a:t>
+              <a:t>28/04/2021</a:t>
             </a:fld>
             <a:endParaRPr lang="vi-VN"/>
           </a:p>
@@ -1980,7 +1991,7 @@
           <a:p>
             <a:fld id="{51E03D83-76E9-47BE-9E3E-C113360851A7}" type="datetimeFigureOut">
               <a:rPr lang="vi-VN" smtClean="0"/>
-              <a:t>14/03/2020</a:t>
+              <a:t>28/04/2021</a:t>
             </a:fld>
             <a:endParaRPr lang="vi-VN"/>
           </a:p>
@@ -2257,7 +2268,7 @@
           <a:p>
             <a:fld id="{51E03D83-76E9-47BE-9E3E-C113360851A7}" type="datetimeFigureOut">
               <a:rPr lang="vi-VN" smtClean="0"/>
-              <a:t>14/03/2020</a:t>
+              <a:t>28/04/2021</a:t>
             </a:fld>
             <a:endParaRPr lang="vi-VN"/>
           </a:p>
@@ -2514,7 +2525,7 @@
           <a:p>
             <a:fld id="{51E03D83-76E9-47BE-9E3E-C113360851A7}" type="datetimeFigureOut">
               <a:rPr lang="vi-VN" smtClean="0"/>
-              <a:t>14/03/2020</a:t>
+              <a:t>28/04/2021</a:t>
             </a:fld>
             <a:endParaRPr lang="vi-VN"/>
           </a:p>
@@ -2732,7 +2743,7 @@
           <a:p>
             <a:fld id="{51E03D83-76E9-47BE-9E3E-C113360851A7}" type="datetimeFigureOut">
               <a:rPr lang="vi-VN" smtClean="0"/>
-              <a:t>14/03/2020</a:t>
+              <a:t>28/04/2021</a:t>
             </a:fld>
             <a:endParaRPr lang="vi-VN"/>
           </a:p>
@@ -3109,7 +3120,7 @@
       </p:grpSpPr>
       <p:sp>
         <p:nvSpPr>
-          <p:cNvPr id="2" name="Title 1"/>
+          <p:cNvPr id="4" name="標題 3"/>
           <p:cNvSpPr>
             <a:spLocks noGrp="1"/>
           </p:cNvSpPr>
@@ -3117,186 +3128,183 @@
             <p:ph type="title"/>
           </p:nvPr>
         </p:nvSpPr>
-        <p:spPr/>
+        <p:spPr>
+          <a:xfrm>
+            <a:off x="0" y="2660915"/>
+            <a:ext cx="12192000" cy="1143000"/>
+          </a:xfrm>
+        </p:spPr>
         <p:txBody>
           <a:bodyPr>
+            <a:noAutofit/>
+          </a:bodyPr>
+          <a:lstStyle/>
+          <a:p>
+            <a:r>
+              <a:rPr lang="zh-TW" altLang="en-US" sz="7200" b="1" i="1" dirty="0">
+                <a:solidFill>
+                  <a:srgbClr val="000066"/>
+                </a:solidFill>
+                <a:effectLst>
+                  <a:outerShdw blurRad="38100" dist="38100" dir="2700000" algn="tl">
+                    <a:srgbClr val="000000">
+                      <a:alpha val="43137"/>
+                    </a:srgbClr>
+                  </a:outerShdw>
+                </a:effectLst>
+                <a:latin typeface="微軟正黑體" pitchFamily="34" charset="-120"/>
+                <a:ea typeface="微軟正黑體" pitchFamily="34" charset="-120"/>
+              </a:rPr>
+              <a:t>主</a:t>
+            </a:r>
+            <a:r>
+              <a:rPr lang="zh-CN" altLang="en-US" sz="7200" b="1" i="1" dirty="0">
+                <a:solidFill>
+                  <a:srgbClr val="000066"/>
+                </a:solidFill>
+                <a:effectLst>
+                  <a:outerShdw blurRad="38100" dist="38100" dir="2700000" algn="tl">
+                    <a:srgbClr val="000000">
+                      <a:alpha val="43137"/>
+                    </a:srgbClr>
+                  </a:outerShdw>
+                </a:effectLst>
+                <a:latin typeface="微軟正黑體" pitchFamily="34" charset="-120"/>
+                <a:ea typeface="微軟正黑體" pitchFamily="34" charset="-120"/>
+              </a:rPr>
+              <a:t>袮</a:t>
+            </a:r>
+            <a:r>
+              <a:rPr lang="zh-TW" altLang="en-US" sz="7200" b="1" i="1" dirty="0">
+                <a:solidFill>
+                  <a:srgbClr val="000066"/>
+                </a:solidFill>
+                <a:effectLst>
+                  <a:outerShdw blurRad="38100" dist="38100" dir="2700000" algn="tl">
+                    <a:srgbClr val="000000">
+                      <a:alpha val="43137"/>
+                    </a:srgbClr>
+                  </a:outerShdw>
+                </a:effectLst>
+                <a:latin typeface="微軟正黑體" pitchFamily="34" charset="-120"/>
+                <a:ea typeface="微軟正黑體" pitchFamily="34" charset="-120"/>
+              </a:rPr>
+              <a:t>永遠與我同在</a:t>
+            </a:r>
+          </a:p>
+        </p:txBody>
+      </p:sp>
+    </p:spTree>
+    <p:extLst>
+      <p:ext uri="{BB962C8B-B14F-4D97-AF65-F5344CB8AC3E}">
+        <p14:creationId xmlns:p14="http://schemas.microsoft.com/office/powerpoint/2010/main" val="3955885433"/>
+      </p:ext>
+    </p:extLst>
+  </p:cSld>
+  <p:clrMapOvr>
+    <a:masterClrMapping/>
+  </p:clrMapOvr>
+</p:sld>
+</file>
+
+<file path=ppt/slides/slide10.xml><?xml version="1.0" encoding="utf-8"?>
+<p:sld xmlns:a="http://schemas.openxmlformats.org/drawingml/2006/main" xmlns:r="http://schemas.openxmlformats.org/officeDocument/2006/relationships" xmlns:p="http://schemas.openxmlformats.org/presentationml/2006/main">
+  <p:cSld>
+    <p:spTree>
+      <p:nvGrpSpPr>
+        <p:cNvPr id="1" name=""/>
+        <p:cNvGrpSpPr/>
+        <p:nvPr/>
+      </p:nvGrpSpPr>
+      <p:grpSpPr>
+        <a:xfrm>
+          <a:off x="0" y="0"/>
+          <a:ext cx="0" cy="0"/>
+          <a:chOff x="0" y="0"/>
+          <a:chExt cx="0" cy="0"/>
+        </a:xfrm>
+      </p:grpSpPr>
+      <p:sp>
+        <p:nvSpPr>
+          <p:cNvPr id="5" name="內容版面配置區 4"/>
+          <p:cNvSpPr>
+            <a:spLocks noGrp="1"/>
+          </p:cNvSpPr>
+          <p:nvPr>
+            <p:ph idx="1"/>
+          </p:nvPr>
+        </p:nvSpPr>
+        <p:spPr>
+          <a:xfrm>
+            <a:off x="0" y="2084851"/>
+            <a:ext cx="12192000" cy="2404863"/>
+          </a:xfrm>
+        </p:spPr>
+        <p:txBody>
+          <a:bodyPr anchor="ctr">
             <a:normAutofit/>
           </a:bodyPr>
           <a:lstStyle/>
           <a:p>
-            <a:r>
-              <a:rPr lang="zh-TW" altLang="en-US" sz="4800" b="1" dirty="0" smtClean="0">
+            <a:pPr marL="0" indent="0" algn="ctr">
+              <a:buNone/>
+            </a:pPr>
+            <a:r>
+              <a:rPr lang="zh-TW" altLang="en-US" sz="6400" b="1" dirty="0">
+                <a:solidFill>
+                  <a:srgbClr val="000066"/>
+                </a:solidFill>
                 <a:latin typeface="Microsoft JhengHei" panose="020B0604030504040204" pitchFamily="34" charset="-120"/>
                 <a:ea typeface="Microsoft JhengHei" panose="020B0604030504040204" pitchFamily="34" charset="-120"/>
               </a:rPr>
-              <a:t>主</a:t>
-            </a:r>
-            <a:r>
-              <a:rPr lang="zh-CN" altLang="en-US" sz="4800" b="1" dirty="0" smtClean="0">
+              <a:t>堅固磐石  全能真神</a:t>
+            </a:r>
+            <a:endParaRPr lang="en-US" altLang="zh-TW" sz="6400" b="1" dirty="0">
+              <a:solidFill>
+                <a:srgbClr val="000066"/>
+              </a:solidFill>
+              <a:latin typeface="Microsoft JhengHei" panose="020B0604030504040204" pitchFamily="34" charset="-120"/>
+              <a:ea typeface="Microsoft JhengHei" panose="020B0604030504040204" pitchFamily="34" charset="-120"/>
+            </a:endParaRPr>
+          </a:p>
+          <a:p>
+            <a:pPr marL="0" indent="0" algn="ctr">
+              <a:buNone/>
+            </a:pPr>
+            <a:r>
+              <a:rPr lang="zh-TW" altLang="en-US" sz="6400" b="1" dirty="0">
+                <a:solidFill>
+                  <a:srgbClr val="000066"/>
+                </a:solidFill>
+                <a:latin typeface="Microsoft JhengHei" panose="020B0604030504040204" pitchFamily="34" charset="-120"/>
+                <a:ea typeface="Microsoft JhengHei" panose="020B0604030504040204" pitchFamily="34" charset="-120"/>
+              </a:rPr>
+              <a:t>我敬拜</a:t>
+            </a:r>
+            <a:r>
+              <a:rPr lang="zh-CN" altLang="en-US" sz="6400" b="1" dirty="0">
+                <a:solidFill>
+                  <a:srgbClr val="000066"/>
+                </a:solidFill>
                 <a:latin typeface="Microsoft JhengHei" panose="020B0604030504040204" pitchFamily="34" charset="-120"/>
                 <a:ea typeface="Microsoft JhengHei" panose="020B0604030504040204" pitchFamily="34" charset="-120"/>
               </a:rPr>
               <a:t>袮</a:t>
             </a:r>
-            <a:r>
-              <a:rPr lang="zh-TW" altLang="en-US" sz="4800" b="1" dirty="0" smtClean="0">
-                <a:latin typeface="Microsoft JhengHei" panose="020B0604030504040204" pitchFamily="34" charset="-120"/>
-                <a:ea typeface="Microsoft JhengHei" panose="020B0604030504040204" pitchFamily="34" charset="-120"/>
-              </a:rPr>
-              <a:t>永</a:t>
-            </a:r>
-            <a:r>
-              <a:rPr lang="zh-TW" altLang="en-US" sz="4800" b="1" dirty="0">
-                <a:latin typeface="Microsoft JhengHei" panose="020B0604030504040204" pitchFamily="34" charset="-120"/>
-                <a:ea typeface="Microsoft JhengHei" panose="020B0604030504040204" pitchFamily="34" charset="-120"/>
-              </a:rPr>
-              <a:t>遠與我同在</a:t>
-            </a:r>
-            <a:endParaRPr lang="vi-VN" sz="4800" b="1" dirty="0">
-              <a:ea typeface="Microsoft JhengHei" panose="020B0604030504040204" pitchFamily="34" charset="-120"/>
-            </a:endParaRPr>
-          </a:p>
-        </p:txBody>
-      </p:sp>
-      <p:sp>
-        <p:nvSpPr>
-          <p:cNvPr id="3" name="Content Placeholder 2"/>
-          <p:cNvSpPr>
-            <a:spLocks noGrp="1"/>
-          </p:cNvSpPr>
-          <p:nvPr>
-            <p:ph idx="1"/>
-          </p:nvPr>
-        </p:nvSpPr>
-        <p:spPr/>
-        <p:txBody>
-          <a:bodyPr>
-            <a:normAutofit/>
-          </a:bodyPr>
-          <a:lstStyle/>
-          <a:p>
-            <a:pPr marL="0" indent="0" algn="ctr">
-              <a:buNone/>
-            </a:pPr>
-            <a:r>
-              <a:rPr lang="zh-TW" altLang="en-US" sz="5400" b="1" dirty="0">
-                <a:latin typeface="Microsoft JhengHei" panose="020B0604030504040204" pitchFamily="34" charset="-120"/>
-                <a:ea typeface="Microsoft JhengHei" panose="020B0604030504040204" pitchFamily="34" charset="-120"/>
-              </a:rPr>
-              <a:t>危難臨到我信</a:t>
-            </a:r>
-            <a:r>
-              <a:rPr lang="zh-TW" altLang="en-US" sz="5400" b="1" dirty="0" smtClean="0">
-                <a:latin typeface="Microsoft JhengHei" panose="020B0604030504040204" pitchFamily="34" charset="-120"/>
-                <a:ea typeface="Microsoft JhengHei" panose="020B0604030504040204" pitchFamily="34" charset="-120"/>
-              </a:rPr>
-              <a:t>靠</a:t>
-            </a:r>
-            <a:r>
-              <a:rPr lang="zh-CN" altLang="en-US" sz="5400" b="1" dirty="0">
-                <a:latin typeface="Microsoft JhengHei" panose="020B0604030504040204" pitchFamily="34" charset="-120"/>
-                <a:ea typeface="Microsoft JhengHei" panose="020B0604030504040204" pitchFamily="34" charset="-120"/>
-              </a:rPr>
-              <a:t>袮</a:t>
-            </a:r>
-            <a:endParaRPr lang="en-US" altLang="zh-TW" sz="5400" b="1" dirty="0" smtClean="0">
+            <a:endParaRPr lang="vi-VN" sz="6400" b="1" dirty="0">
+              <a:solidFill>
+                <a:srgbClr val="000066"/>
+              </a:solidFill>
               <a:latin typeface="Microsoft JhengHei" panose="020B0604030504040204" pitchFamily="34" charset="-120"/>
               <a:ea typeface="Microsoft JhengHei" panose="020B0604030504040204" pitchFamily="34" charset="-120"/>
             </a:endParaRPr>
           </a:p>
-          <a:p>
-            <a:pPr marL="0" indent="0" algn="ctr">
-              <a:buNone/>
-            </a:pPr>
-            <a:r>
-              <a:rPr lang="zh-TW" altLang="en-US" sz="5400" b="1" dirty="0" smtClean="0">
-                <a:latin typeface="Microsoft JhengHei" panose="020B0604030504040204" pitchFamily="34" charset="-120"/>
-                <a:ea typeface="Microsoft JhengHei" panose="020B0604030504040204" pitchFamily="34" charset="-120"/>
-              </a:rPr>
-              <a:t>深知</a:t>
-            </a:r>
-            <a:r>
-              <a:rPr lang="zh-CN" altLang="en-US" sz="5400" b="1" dirty="0">
-                <a:latin typeface="Microsoft JhengHei" panose="020B0604030504040204" pitchFamily="34" charset="-120"/>
-                <a:ea typeface="Microsoft JhengHei" panose="020B0604030504040204" pitchFamily="34" charset="-120"/>
-              </a:rPr>
-              <a:t>袮</a:t>
-            </a:r>
-            <a:r>
-              <a:rPr lang="zh-TW" altLang="en-US" sz="5400" b="1" dirty="0" smtClean="0">
-                <a:latin typeface="Microsoft JhengHei" panose="020B0604030504040204" pitchFamily="34" charset="-120"/>
-                <a:ea typeface="Microsoft JhengHei" panose="020B0604030504040204" pitchFamily="34" charset="-120"/>
-              </a:rPr>
-              <a:t>必</a:t>
-            </a:r>
-            <a:r>
-              <a:rPr lang="zh-TW" altLang="en-US" sz="5400" b="1" dirty="0">
-                <a:latin typeface="Microsoft JhengHei" panose="020B0604030504040204" pitchFamily="34" charset="-120"/>
-                <a:ea typeface="Microsoft JhengHei" panose="020B0604030504040204" pitchFamily="34" charset="-120"/>
-              </a:rPr>
-              <a:t>領我度</a:t>
-            </a:r>
-            <a:r>
-              <a:rPr lang="zh-TW" altLang="en-US" sz="5400" b="1" dirty="0" smtClean="0">
-                <a:latin typeface="Microsoft JhengHei" panose="020B0604030504040204" pitchFamily="34" charset="-120"/>
-                <a:ea typeface="Microsoft JhengHei" panose="020B0604030504040204" pitchFamily="34" charset="-120"/>
-              </a:rPr>
-              <a:t>過</a:t>
-            </a:r>
-            <a:endParaRPr lang="en-US" altLang="zh-TW" sz="5400" b="1" dirty="0">
-              <a:latin typeface="Microsoft JhengHei" panose="020B0604030504040204" pitchFamily="34" charset="-120"/>
-              <a:ea typeface="Microsoft JhengHei" panose="020B0604030504040204" pitchFamily="34" charset="-120"/>
-            </a:endParaRPr>
-          </a:p>
-          <a:p>
-            <a:pPr marL="0" indent="0" algn="ctr">
-              <a:buNone/>
-            </a:pPr>
-            <a:r>
-              <a:rPr lang="zh-CN" altLang="en-US" sz="5400" b="1" dirty="0">
-                <a:latin typeface="Microsoft JhengHei" panose="020B0604030504040204" pitchFamily="34" charset="-120"/>
-                <a:ea typeface="Microsoft JhengHei" panose="020B0604030504040204" pitchFamily="34" charset="-120"/>
-              </a:rPr>
-              <a:t>袮</a:t>
-            </a:r>
-            <a:r>
-              <a:rPr lang="zh-TW" altLang="en-US" sz="5400" b="1" dirty="0" smtClean="0">
-                <a:latin typeface="Microsoft JhengHei" panose="020B0604030504040204" pitchFamily="34" charset="-120"/>
-                <a:ea typeface="Microsoft JhengHei" panose="020B0604030504040204" pitchFamily="34" charset="-120"/>
-              </a:rPr>
-              <a:t>信</a:t>
-            </a:r>
-            <a:r>
-              <a:rPr lang="zh-TW" altLang="en-US" sz="5400" b="1" dirty="0">
-                <a:latin typeface="Microsoft JhengHei" panose="020B0604030504040204" pitchFamily="34" charset="-120"/>
-                <a:ea typeface="Microsoft JhengHei" panose="020B0604030504040204" pitchFamily="34" charset="-120"/>
-              </a:rPr>
-              <a:t>實為我堅</a:t>
-            </a:r>
-            <a:r>
-              <a:rPr lang="zh-TW" altLang="en-US" sz="5400" b="1" dirty="0" smtClean="0">
-                <a:latin typeface="Microsoft JhengHei" panose="020B0604030504040204" pitchFamily="34" charset="-120"/>
-                <a:ea typeface="Microsoft JhengHei" panose="020B0604030504040204" pitchFamily="34" charset="-120"/>
-              </a:rPr>
-              <a:t>持  到</a:t>
-            </a:r>
-            <a:r>
-              <a:rPr lang="zh-TW" altLang="en-US" sz="5400" b="1" dirty="0">
-                <a:latin typeface="Microsoft JhengHei" panose="020B0604030504040204" pitchFamily="34" charset="-120"/>
-                <a:ea typeface="Microsoft JhengHei" panose="020B0604030504040204" pitchFamily="34" charset="-120"/>
-              </a:rPr>
-              <a:t>最後</a:t>
-            </a:r>
-            <a:endParaRPr lang="vi-VN" sz="5400" b="1" dirty="0">
-              <a:ea typeface="Microsoft JhengHei" panose="020B0604030504040204" pitchFamily="34" charset="-120"/>
-            </a:endParaRPr>
-          </a:p>
         </p:txBody>
       </p:sp>
     </p:spTree>
     <p:extLst>
       <p:ext uri="{BB962C8B-B14F-4D97-AF65-F5344CB8AC3E}">
-        <p14:creationId xmlns:p14="http://schemas.microsoft.com/office/powerpoint/2010/main" val="67959094"/>
+        <p14:creationId xmlns:p14="http://schemas.microsoft.com/office/powerpoint/2010/main" val="2107892388"/>
       </p:ext>
     </p:extLst>
   </p:cSld>
@@ -3325,262 +3333,105 @@
       </p:grpSpPr>
       <p:sp>
         <p:nvSpPr>
-          <p:cNvPr id="2" name="Title 1"/>
-          <p:cNvSpPr>
-            <a:spLocks noGrp="1"/>
-          </p:cNvSpPr>
-          <p:nvPr>
-            <p:ph type="title"/>
-          </p:nvPr>
-        </p:nvSpPr>
-        <p:spPr/>
-        <p:txBody>
-          <a:bodyPr>
+          <p:cNvPr id="5" name="內容版面配置區 4"/>
+          <p:cNvSpPr>
+            <a:spLocks noGrp="1"/>
+          </p:cNvSpPr>
+          <p:nvPr>
+            <p:ph idx="1"/>
+          </p:nvPr>
+        </p:nvSpPr>
+        <p:spPr>
+          <a:xfrm>
+            <a:off x="0" y="2084851"/>
+            <a:ext cx="12192000" cy="2404863"/>
+          </a:xfrm>
+        </p:spPr>
+        <p:txBody>
+          <a:bodyPr anchor="ctr">
             <a:normAutofit/>
           </a:bodyPr>
           <a:lstStyle/>
           <a:p>
-            <a:r>
-              <a:rPr lang="zh-TW" altLang="en-US" sz="4800" b="1" dirty="0" smtClean="0">
+            <a:pPr marL="0" indent="0" algn="ctr">
+              <a:buNone/>
+            </a:pPr>
+            <a:r>
+              <a:rPr lang="zh-TW" altLang="en-US" sz="6400" b="1" dirty="0">
+                <a:solidFill>
+                  <a:srgbClr val="000066"/>
+                </a:solidFill>
                 <a:latin typeface="Microsoft JhengHei" panose="020B0604030504040204" pitchFamily="34" charset="-120"/>
                 <a:ea typeface="Microsoft JhengHei" panose="020B0604030504040204" pitchFamily="34" charset="-120"/>
               </a:rPr>
-              <a:t>主</a:t>
-            </a:r>
-            <a:r>
-              <a:rPr lang="zh-CN" altLang="en-US" sz="4800" b="1" dirty="0" smtClean="0">
+              <a:t>危難臨到我信靠</a:t>
+            </a:r>
+            <a:r>
+              <a:rPr lang="zh-CN" altLang="en-US" sz="6400" b="1" dirty="0">
+                <a:solidFill>
+                  <a:srgbClr val="000066"/>
+                </a:solidFill>
                 <a:latin typeface="Microsoft JhengHei" panose="020B0604030504040204" pitchFamily="34" charset="-120"/>
                 <a:ea typeface="Microsoft JhengHei" panose="020B0604030504040204" pitchFamily="34" charset="-120"/>
               </a:rPr>
               <a:t>袮</a:t>
             </a:r>
-            <a:r>
-              <a:rPr lang="zh-TW" altLang="en-US" sz="4800" b="1" dirty="0" smtClean="0">
+            <a:endParaRPr lang="en-US" altLang="zh-TW" sz="6400" b="1" dirty="0">
+              <a:solidFill>
+                <a:srgbClr val="000066"/>
+              </a:solidFill>
+              <a:latin typeface="Microsoft JhengHei" panose="020B0604030504040204" pitchFamily="34" charset="-120"/>
+              <a:ea typeface="Microsoft JhengHei" panose="020B0604030504040204" pitchFamily="34" charset="-120"/>
+            </a:endParaRPr>
+          </a:p>
+          <a:p>
+            <a:pPr marL="0" indent="0" algn="ctr">
+              <a:buNone/>
+            </a:pPr>
+            <a:r>
+              <a:rPr lang="zh-TW" altLang="en-US" sz="6400" b="1" dirty="0">
+                <a:solidFill>
+                  <a:srgbClr val="000066"/>
+                </a:solidFill>
                 <a:latin typeface="Microsoft JhengHei" panose="020B0604030504040204" pitchFamily="34" charset="-120"/>
                 <a:ea typeface="Microsoft JhengHei" panose="020B0604030504040204" pitchFamily="34" charset="-120"/>
               </a:rPr>
-              <a:t>永</a:t>
-            </a:r>
-            <a:r>
-              <a:rPr lang="zh-TW" altLang="en-US" sz="4800" b="1" dirty="0">
-                <a:latin typeface="Microsoft JhengHei" panose="020B0604030504040204" pitchFamily="34" charset="-120"/>
-                <a:ea typeface="Microsoft JhengHei" panose="020B0604030504040204" pitchFamily="34" charset="-120"/>
-              </a:rPr>
-              <a:t>遠與我同在</a:t>
-            </a:r>
-            <a:endParaRPr lang="vi-VN" sz="4800" b="1" dirty="0">
-              <a:ea typeface="Microsoft JhengHei" panose="020B0604030504040204" pitchFamily="34" charset="-120"/>
-            </a:endParaRPr>
-          </a:p>
-        </p:txBody>
-      </p:sp>
-      <p:sp>
-        <p:nvSpPr>
-          <p:cNvPr id="3" name="Content Placeholder 2"/>
-          <p:cNvSpPr>
-            <a:spLocks noGrp="1"/>
-          </p:cNvSpPr>
-          <p:nvPr>
-            <p:ph idx="1"/>
-          </p:nvPr>
-        </p:nvSpPr>
-        <p:spPr>
-          <a:xfrm>
-            <a:off x="609600" y="1600201"/>
-            <a:ext cx="10972800" cy="5257799"/>
-          </a:xfrm>
-        </p:spPr>
-        <p:txBody>
-          <a:bodyPr>
-            <a:normAutofit/>
-          </a:bodyPr>
-          <a:lstStyle/>
-          <a:p>
-            <a:pPr marL="0" indent="0" algn="ctr">
-              <a:buNone/>
-            </a:pPr>
-            <a:r>
-              <a:rPr lang="zh-TW" altLang="en-US" sz="5400" b="1" dirty="0">
-                <a:latin typeface="Microsoft JhengHei" panose="020B0604030504040204" pitchFamily="34" charset="-120"/>
-                <a:ea typeface="Microsoft JhengHei" panose="020B0604030504040204" pitchFamily="34" charset="-120"/>
-              </a:rPr>
-              <a:t>當暴風雨向我靠</a:t>
-            </a:r>
-            <a:r>
-              <a:rPr lang="zh-TW" altLang="en-US" sz="5400" b="1" dirty="0">
-                <a:latin typeface="Microsoft JhengHei" panose="020B0604030504040204" pitchFamily="34" charset="-120"/>
-                <a:ea typeface="Microsoft JhengHei" panose="020B0604030504040204" pitchFamily="34" charset="-120"/>
-              </a:rPr>
-              <a:t>近</a:t>
-            </a:r>
-            <a:endParaRPr lang="en-US" altLang="zh-TW" sz="5400" b="1" dirty="0">
-              <a:latin typeface="Microsoft JhengHei" panose="020B0604030504040204" pitchFamily="34" charset="-120"/>
-              <a:ea typeface="Microsoft JhengHei" panose="020B0604030504040204" pitchFamily="34" charset="-120"/>
-            </a:endParaRPr>
-          </a:p>
-          <a:p>
-            <a:pPr marL="0" indent="0" algn="ctr">
-              <a:buNone/>
-            </a:pPr>
-            <a:r>
-              <a:rPr lang="zh-TW" altLang="en-US" sz="5400" b="1" dirty="0" smtClean="0">
-                <a:latin typeface="Microsoft JhengHei" panose="020B0604030504040204" pitchFamily="34" charset="-120"/>
-                <a:ea typeface="Microsoft JhengHei" panose="020B0604030504040204" pitchFamily="34" charset="-120"/>
-              </a:rPr>
-              <a:t>有</a:t>
-            </a:r>
-            <a:r>
-              <a:rPr lang="zh-CN" altLang="en-US" sz="5400" b="1" dirty="0">
+              <a:t>深知</a:t>
+            </a:r>
+            <a:r>
+              <a:rPr lang="zh-CN" altLang="en-US" sz="6400" b="1" dirty="0">
+                <a:solidFill>
+                  <a:srgbClr val="000066"/>
+                </a:solidFill>
                 <a:latin typeface="Microsoft JhengHei" panose="020B0604030504040204" pitchFamily="34" charset="-120"/>
                 <a:ea typeface="Microsoft JhengHei" panose="020B0604030504040204" pitchFamily="34" charset="-120"/>
               </a:rPr>
               <a:t>袮</a:t>
             </a:r>
             <a:r>
-              <a:rPr lang="zh-TW" altLang="en-US" sz="5400" b="1" dirty="0" smtClean="0">
+              <a:rPr lang="zh-TW" altLang="en-US" sz="6400" b="1" dirty="0">
+                <a:solidFill>
+                  <a:srgbClr val="000066"/>
+                </a:solidFill>
                 <a:latin typeface="Microsoft JhengHei" panose="020B0604030504040204" pitchFamily="34" charset="-120"/>
                 <a:ea typeface="Microsoft JhengHei" panose="020B0604030504040204" pitchFamily="34" charset="-120"/>
               </a:rPr>
-              <a:t>同</a:t>
-            </a:r>
-            <a:r>
-              <a:rPr lang="zh-TW" altLang="en-US" sz="5400" b="1" dirty="0">
-                <a:latin typeface="Microsoft JhengHei" panose="020B0604030504040204" pitchFamily="34" charset="-120"/>
-                <a:ea typeface="Microsoft JhengHei" panose="020B0604030504040204" pitchFamily="34" charset="-120"/>
-              </a:rPr>
-              <a:t>在我不至畏</a:t>
-            </a:r>
-            <a:r>
-              <a:rPr lang="zh-TW" altLang="en-US" sz="5400" b="1" dirty="0">
-                <a:latin typeface="Microsoft JhengHei" panose="020B0604030504040204" pitchFamily="34" charset="-120"/>
-                <a:ea typeface="Microsoft JhengHei" panose="020B0604030504040204" pitchFamily="34" charset="-120"/>
-              </a:rPr>
-              <a:t>懼</a:t>
-            </a:r>
-            <a:endParaRPr lang="en-US" altLang="zh-TW" sz="5400" b="1" dirty="0">
+              <a:t>必領我度過</a:t>
+            </a:r>
+            <a:endParaRPr lang="en-US" altLang="zh-TW" sz="6400" b="1" dirty="0">
+              <a:solidFill>
+                <a:srgbClr val="000066"/>
+              </a:solidFill>
               <a:latin typeface="Microsoft JhengHei" panose="020B0604030504040204" pitchFamily="34" charset="-120"/>
               <a:ea typeface="Microsoft JhengHei" panose="020B0604030504040204" pitchFamily="34" charset="-120"/>
             </a:endParaRPr>
           </a:p>
-          <a:p>
-            <a:pPr marL="0" indent="0" algn="ctr">
-              <a:buNone/>
-            </a:pPr>
-            <a:r>
-              <a:rPr lang="zh-CN" altLang="en-US" sz="5400" b="1" dirty="0">
-                <a:latin typeface="Microsoft JhengHei" panose="020B0604030504040204" pitchFamily="34" charset="-120"/>
-                <a:ea typeface="Microsoft JhengHei" panose="020B0604030504040204" pitchFamily="34" charset="-120"/>
-              </a:rPr>
-              <a:t>袮</a:t>
-            </a:r>
-            <a:r>
-              <a:rPr lang="zh-TW" altLang="en-US" sz="5400" b="1" dirty="0" smtClean="0">
-                <a:latin typeface="Microsoft JhengHei" panose="020B0604030504040204" pitchFamily="34" charset="-120"/>
-                <a:ea typeface="Microsoft JhengHei" panose="020B0604030504040204" pitchFamily="34" charset="-120"/>
-              </a:rPr>
-              <a:t>是</a:t>
-            </a:r>
-            <a:r>
-              <a:rPr lang="zh-TW" altLang="en-US" sz="5400" b="1" dirty="0">
-                <a:latin typeface="Microsoft JhengHei" panose="020B0604030504040204" pitchFamily="34" charset="-120"/>
-                <a:ea typeface="Microsoft JhengHei" panose="020B0604030504040204" pitchFamily="34" charset="-120"/>
-              </a:rPr>
-              <a:t>我的牧者我所倚</a:t>
-            </a:r>
-            <a:r>
-              <a:rPr lang="zh-TW" altLang="en-US" sz="5400" b="1" dirty="0" smtClean="0">
-                <a:latin typeface="Microsoft JhengHei" panose="020B0604030504040204" pitchFamily="34" charset="-120"/>
-                <a:ea typeface="Microsoft JhengHei" panose="020B0604030504040204" pitchFamily="34" charset="-120"/>
-              </a:rPr>
-              <a:t>靠</a:t>
-            </a:r>
-            <a:endParaRPr lang="en-US" altLang="zh-TW" sz="5400" b="1" dirty="0" smtClean="0">
-              <a:latin typeface="Microsoft JhengHei" panose="020B0604030504040204" pitchFamily="34" charset="-120"/>
-              <a:ea typeface="Microsoft JhengHei" panose="020B0604030504040204" pitchFamily="34" charset="-120"/>
-            </a:endParaRPr>
-          </a:p>
-          <a:p>
-            <a:pPr marL="0" indent="0" algn="ctr">
-              <a:buNone/>
-            </a:pPr>
-            <a:r>
-              <a:rPr lang="zh-TW" altLang="en-US" sz="5400" b="1" dirty="0">
-                <a:latin typeface="Microsoft JhengHei" panose="020B0604030504040204" pitchFamily="34" charset="-120"/>
-                <a:ea typeface="Microsoft JhengHei" panose="020B0604030504040204" pitchFamily="34" charset="-120"/>
-              </a:rPr>
-              <a:t>每個</a:t>
-            </a:r>
-            <a:r>
-              <a:rPr lang="zh-TW" altLang="en-US" sz="5400" b="1" dirty="0" smtClean="0">
-                <a:latin typeface="Microsoft JhengHei" panose="020B0604030504040204" pitchFamily="34" charset="-120"/>
-                <a:ea typeface="Microsoft JhengHei" panose="020B0604030504040204" pitchFamily="34" charset="-120"/>
-              </a:rPr>
-              <a:t>夜  每一天</a:t>
-            </a:r>
-            <a:endParaRPr lang="en-US" altLang="zh-TW" sz="5400" b="1" dirty="0">
-              <a:latin typeface="Microsoft JhengHei" panose="020B0604030504040204" pitchFamily="34" charset="-120"/>
-              <a:ea typeface="Microsoft JhengHei" panose="020B0604030504040204" pitchFamily="34" charset="-120"/>
-            </a:endParaRPr>
-          </a:p>
-          <a:p>
-            <a:pPr marL="0" indent="0" algn="ctr">
-              <a:buNone/>
-            </a:pPr>
-            <a:r>
-              <a:rPr lang="zh-TW" altLang="en-US" sz="5400" b="1" dirty="0">
-                <a:latin typeface="Microsoft JhengHei" panose="020B0604030504040204" pitchFamily="34" charset="-120"/>
-                <a:ea typeface="Microsoft JhengHei" panose="020B0604030504040204" pitchFamily="34" charset="-120"/>
-              </a:rPr>
-              <a:t>我</a:t>
-            </a:r>
-            <a:r>
-              <a:rPr lang="zh-TW" altLang="en-US" sz="5400" b="1" dirty="0" smtClean="0">
-                <a:latin typeface="Microsoft JhengHei" panose="020B0604030504040204" pitchFamily="34" charset="-120"/>
-                <a:ea typeface="Microsoft JhengHei" panose="020B0604030504040204" pitchFamily="34" charset="-120"/>
-              </a:rPr>
-              <a:t>知</a:t>
-            </a:r>
-            <a:r>
-              <a:rPr lang="zh-CN" altLang="en-US" sz="5400" b="1" dirty="0">
-                <a:latin typeface="Microsoft JhengHei" panose="020B0604030504040204" pitchFamily="34" charset="-120"/>
-                <a:ea typeface="Microsoft JhengHei" panose="020B0604030504040204" pitchFamily="34" charset="-120"/>
-              </a:rPr>
-              <a:t>袮</a:t>
-            </a:r>
-            <a:r>
-              <a:rPr lang="zh-TW" altLang="en-US" sz="5400" b="1" dirty="0" smtClean="0">
-                <a:latin typeface="Microsoft JhengHei" panose="020B0604030504040204" pitchFamily="34" charset="-120"/>
-                <a:ea typeface="Microsoft JhengHei" panose="020B0604030504040204" pitchFamily="34" charset="-120"/>
-              </a:rPr>
-              <a:t>永</a:t>
-            </a:r>
-            <a:r>
-              <a:rPr lang="zh-TW" altLang="en-US" sz="5400" b="1" dirty="0">
-                <a:latin typeface="Microsoft JhengHei" panose="020B0604030504040204" pitchFamily="34" charset="-120"/>
-                <a:ea typeface="Microsoft JhengHei" panose="020B0604030504040204" pitchFamily="34" charset="-120"/>
-              </a:rPr>
-              <a:t>遠在身邊</a:t>
-            </a:r>
-            <a:endParaRPr lang="vi-VN" sz="5400" b="1" dirty="0">
-              <a:latin typeface="Microsoft JhengHei" panose="020B0604030504040204" pitchFamily="34" charset="-120"/>
-              <a:ea typeface="Microsoft JhengHei" panose="020B0604030504040204" pitchFamily="34" charset="-120"/>
-            </a:endParaRPr>
-          </a:p>
-          <a:p>
-            <a:pPr marL="0" indent="0" algn="ctr">
-              <a:buNone/>
-            </a:pPr>
-            <a:endParaRPr lang="vi-VN" sz="5400" b="1" dirty="0">
-              <a:latin typeface="Microsoft JhengHei" panose="020B0604030504040204" pitchFamily="34" charset="-120"/>
-              <a:ea typeface="Microsoft JhengHei" panose="020B0604030504040204" pitchFamily="34" charset="-120"/>
-            </a:endParaRPr>
-          </a:p>
         </p:txBody>
       </p:sp>
     </p:spTree>
     <p:extLst>
       <p:ext uri="{BB962C8B-B14F-4D97-AF65-F5344CB8AC3E}">
-        <p14:creationId xmlns:p14="http://schemas.microsoft.com/office/powerpoint/2010/main" val="1543456698"/>
+        <p14:creationId xmlns:p14="http://schemas.microsoft.com/office/powerpoint/2010/main" val="2840093845"/>
       </p:ext>
     </p:extLst>
   </p:cSld>
@@ -3609,230 +3460,53 @@
       </p:grpSpPr>
       <p:sp>
         <p:nvSpPr>
-          <p:cNvPr id="2" name="Title 1"/>
-          <p:cNvSpPr>
-            <a:spLocks noGrp="1"/>
-          </p:cNvSpPr>
-          <p:nvPr>
-            <p:ph type="title"/>
-          </p:nvPr>
-        </p:nvSpPr>
-        <p:spPr/>
-        <p:txBody>
-          <a:bodyPr>
+          <p:cNvPr id="5" name="內容版面配置區 4"/>
+          <p:cNvSpPr>
+            <a:spLocks noGrp="1"/>
+          </p:cNvSpPr>
+          <p:nvPr>
+            <p:ph idx="1"/>
+          </p:nvPr>
+        </p:nvSpPr>
+        <p:spPr>
+          <a:xfrm>
+            <a:off x="0" y="2084851"/>
+            <a:ext cx="12192000" cy="2404863"/>
+          </a:xfrm>
+        </p:spPr>
+        <p:txBody>
+          <a:bodyPr anchor="ctr">
             <a:normAutofit/>
           </a:bodyPr>
           <a:lstStyle/>
           <a:p>
-            <a:r>
-              <a:rPr lang="zh-TW" altLang="en-US" sz="4800" b="1" dirty="0" smtClean="0">
-                <a:latin typeface="Microsoft JhengHei" panose="020B0604030504040204" pitchFamily="34" charset="-120"/>
-                <a:ea typeface="Microsoft JhengHei" panose="020B0604030504040204" pitchFamily="34" charset="-120"/>
-              </a:rPr>
-              <a:t>主</a:t>
-            </a:r>
-            <a:r>
-              <a:rPr lang="zh-CN" altLang="en-US" sz="4800" b="1" dirty="0" smtClean="0">
+            <a:pPr marL="0" indent="0" algn="ctr">
+              <a:buNone/>
+            </a:pPr>
+            <a:r>
+              <a:rPr lang="zh-CN" altLang="en-US" sz="6400" b="1" dirty="0">
+                <a:solidFill>
+                  <a:srgbClr val="000066"/>
+                </a:solidFill>
                 <a:latin typeface="Microsoft JhengHei" panose="020B0604030504040204" pitchFamily="34" charset="-120"/>
                 <a:ea typeface="Microsoft JhengHei" panose="020B0604030504040204" pitchFamily="34" charset="-120"/>
               </a:rPr>
               <a:t>袮</a:t>
             </a:r>
             <a:r>
-              <a:rPr lang="zh-TW" altLang="en-US" sz="4800" b="1" dirty="0" smtClean="0">
+              <a:rPr lang="zh-TW" altLang="en-US" sz="6400" b="1" dirty="0">
+                <a:solidFill>
+                  <a:srgbClr val="000066"/>
+                </a:solidFill>
                 <a:latin typeface="Microsoft JhengHei" panose="020B0604030504040204" pitchFamily="34" charset="-120"/>
                 <a:ea typeface="Microsoft JhengHei" panose="020B0604030504040204" pitchFamily="34" charset="-120"/>
               </a:rPr>
-              <a:t>永</a:t>
-            </a:r>
-            <a:r>
-              <a:rPr lang="zh-TW" altLang="en-US" sz="4800" b="1" dirty="0">
-                <a:latin typeface="Microsoft JhengHei" panose="020B0604030504040204" pitchFamily="34" charset="-120"/>
-                <a:ea typeface="Microsoft JhengHei" panose="020B0604030504040204" pitchFamily="34" charset="-120"/>
-              </a:rPr>
-              <a:t>遠與我同在</a:t>
-            </a:r>
-            <a:endParaRPr lang="vi-VN" sz="4800" b="1" dirty="0">
-              <a:ea typeface="Microsoft JhengHei" panose="020B0604030504040204" pitchFamily="34" charset="-120"/>
-            </a:endParaRPr>
-          </a:p>
-        </p:txBody>
-      </p:sp>
-      <p:sp>
-        <p:nvSpPr>
-          <p:cNvPr id="3" name="Content Placeholder 2"/>
-          <p:cNvSpPr>
-            <a:spLocks noGrp="1"/>
-          </p:cNvSpPr>
-          <p:nvPr>
-            <p:ph idx="1"/>
-          </p:nvPr>
-        </p:nvSpPr>
-        <p:spPr/>
-        <p:txBody>
-          <a:bodyPr>
-            <a:normAutofit/>
-          </a:bodyPr>
-          <a:lstStyle/>
-          <a:p>
-            <a:pPr marL="0" indent="0" algn="ctr">
-              <a:buNone/>
-            </a:pPr>
-            <a:r>
-              <a:rPr lang="zh-TW" altLang="en-US" sz="5400" b="1" dirty="0" smtClean="0">
-                <a:latin typeface="Microsoft JhengHei" panose="020B0604030504040204" pitchFamily="34" charset="-120"/>
-                <a:ea typeface="Microsoft JhengHei" panose="020B0604030504040204" pitchFamily="34" charset="-120"/>
-              </a:rPr>
-              <a:t>主</a:t>
-            </a:r>
-            <a:r>
-              <a:rPr lang="zh-CN" altLang="en-US" sz="5400" b="1" dirty="0">
-                <a:latin typeface="Microsoft JhengHei" panose="020B0604030504040204" pitchFamily="34" charset="-120"/>
-                <a:ea typeface="Microsoft JhengHei" panose="020B0604030504040204" pitchFamily="34" charset="-120"/>
-              </a:rPr>
-              <a:t>袮</a:t>
-            </a:r>
-            <a:r>
-              <a:rPr lang="zh-TW" altLang="en-US" sz="5400" b="1" dirty="0" smtClean="0">
-                <a:latin typeface="Microsoft JhengHei" panose="020B0604030504040204" pitchFamily="34" charset="-120"/>
-                <a:ea typeface="Microsoft JhengHei" panose="020B0604030504040204" pitchFamily="34" charset="-120"/>
-              </a:rPr>
-              <a:t>永</a:t>
-            </a:r>
-            <a:r>
-              <a:rPr lang="zh-TW" altLang="en-US" sz="5400" b="1" dirty="0">
-                <a:latin typeface="Microsoft JhengHei" panose="020B0604030504040204" pitchFamily="34" charset="-120"/>
-                <a:ea typeface="Microsoft JhengHei" panose="020B0604030504040204" pitchFamily="34" charset="-120"/>
-              </a:rPr>
-              <a:t>遠與我同</a:t>
-            </a:r>
-            <a:r>
-              <a:rPr lang="zh-TW" altLang="en-US" sz="5400" b="1" dirty="0">
-                <a:latin typeface="Microsoft JhengHei" panose="020B0604030504040204" pitchFamily="34" charset="-120"/>
-                <a:ea typeface="Microsoft JhengHei" panose="020B0604030504040204" pitchFamily="34" charset="-120"/>
-              </a:rPr>
-              <a:t>在</a:t>
-            </a:r>
-            <a:endParaRPr lang="en-US" altLang="zh-TW" sz="5400" b="1" dirty="0">
-              <a:latin typeface="Microsoft JhengHei" panose="020B0604030504040204" pitchFamily="34" charset="-120"/>
-              <a:ea typeface="Microsoft JhengHei" panose="020B0604030504040204" pitchFamily="34" charset="-120"/>
-            </a:endParaRPr>
-          </a:p>
-          <a:p>
-            <a:pPr marL="0" indent="0" algn="ctr">
-              <a:buNone/>
-            </a:pPr>
-            <a:r>
-              <a:rPr lang="zh-TW" altLang="en-US" sz="5400" b="1" dirty="0" smtClean="0">
-                <a:latin typeface="Microsoft JhengHei" panose="020B0604030504040204" pitchFamily="34" charset="-120"/>
-                <a:ea typeface="Microsoft JhengHei" panose="020B0604030504040204" pitchFamily="34" charset="-120"/>
-              </a:rPr>
-              <a:t>在</a:t>
-            </a:r>
-            <a:r>
-              <a:rPr lang="zh-CN" altLang="en-US" sz="5400" b="1" dirty="0">
-                <a:latin typeface="Microsoft JhengHei" panose="020B0604030504040204" pitchFamily="34" charset="-120"/>
-                <a:ea typeface="Microsoft JhengHei" panose="020B0604030504040204" pitchFamily="34" charset="-120"/>
-              </a:rPr>
-              <a:t>袮</a:t>
-            </a:r>
-            <a:r>
-              <a:rPr lang="zh-TW" altLang="en-US" sz="5400" b="1" dirty="0" smtClean="0">
-                <a:latin typeface="Microsoft JhengHei" panose="020B0604030504040204" pitchFamily="34" charset="-120"/>
-                <a:ea typeface="Microsoft JhengHei" panose="020B0604030504040204" pitchFamily="34" charset="-120"/>
-              </a:rPr>
-              <a:t>裡</a:t>
-            </a:r>
-            <a:r>
-              <a:rPr lang="zh-TW" altLang="en-US" sz="5400" b="1" dirty="0">
-                <a:latin typeface="Microsoft JhengHei" panose="020B0604030504040204" pitchFamily="34" charset="-120"/>
-                <a:ea typeface="Microsoft JhengHei" panose="020B0604030504040204" pitchFamily="34" charset="-120"/>
-              </a:rPr>
-              <a:t>面沒有改</a:t>
-            </a:r>
-            <a:r>
-              <a:rPr lang="zh-TW" altLang="en-US" sz="5400" b="1" dirty="0">
-                <a:latin typeface="Microsoft JhengHei" panose="020B0604030504040204" pitchFamily="34" charset="-120"/>
-                <a:ea typeface="Microsoft JhengHei" panose="020B0604030504040204" pitchFamily="34" charset="-120"/>
-              </a:rPr>
-              <a:t>變</a:t>
-            </a:r>
-            <a:endParaRPr lang="en-US" altLang="zh-TW" sz="5400" b="1" dirty="0">
-              <a:latin typeface="Microsoft JhengHei" panose="020B0604030504040204" pitchFamily="34" charset="-120"/>
-              <a:ea typeface="Microsoft JhengHei" panose="020B0604030504040204" pitchFamily="34" charset="-120"/>
-            </a:endParaRPr>
-          </a:p>
-          <a:p>
-            <a:pPr marL="0" indent="0" algn="ctr">
-              <a:buNone/>
-            </a:pPr>
-            <a:r>
-              <a:rPr lang="zh-CN" altLang="en-US" sz="5400" b="1" dirty="0">
-                <a:latin typeface="Microsoft JhengHei" panose="020B0604030504040204" pitchFamily="34" charset="-120"/>
-                <a:ea typeface="Microsoft JhengHei" panose="020B0604030504040204" pitchFamily="34" charset="-120"/>
-              </a:rPr>
-              <a:t>袮</a:t>
-            </a:r>
-            <a:r>
-              <a:rPr lang="zh-TW" altLang="en-US" sz="5400" b="1" dirty="0" smtClean="0">
-                <a:latin typeface="Microsoft JhengHei" panose="020B0604030504040204" pitchFamily="34" charset="-120"/>
-                <a:ea typeface="Microsoft JhengHei" panose="020B0604030504040204" pitchFamily="34" charset="-120"/>
-              </a:rPr>
-              <a:t>的</a:t>
-            </a:r>
-            <a:r>
-              <a:rPr lang="zh-TW" altLang="en-US" sz="5400" b="1" dirty="0">
-                <a:latin typeface="Microsoft JhengHei" panose="020B0604030504040204" pitchFamily="34" charset="-120"/>
-                <a:ea typeface="Microsoft JhengHei" panose="020B0604030504040204" pitchFamily="34" charset="-120"/>
-              </a:rPr>
-              <a:t>堅</a:t>
-            </a:r>
-            <a:r>
-              <a:rPr lang="zh-TW" altLang="en-US" sz="5400" b="1" dirty="0">
-                <a:latin typeface="Microsoft JhengHei" panose="020B0604030504040204" pitchFamily="34" charset="-120"/>
-                <a:ea typeface="Microsoft JhengHei" panose="020B0604030504040204" pitchFamily="34" charset="-120"/>
-              </a:rPr>
-              <a:t>定  從</a:t>
-            </a:r>
-            <a:r>
-              <a:rPr lang="zh-TW" altLang="en-US" sz="5400" b="1" dirty="0">
-                <a:latin typeface="Microsoft JhengHei" panose="020B0604030504040204" pitchFamily="34" charset="-120"/>
-                <a:ea typeface="Microsoft JhengHei" panose="020B0604030504040204" pitchFamily="34" charset="-120"/>
-              </a:rPr>
-              <a:t>昨日到今</a:t>
-            </a:r>
-            <a:r>
-              <a:rPr lang="zh-TW" altLang="en-US" sz="5400" b="1" dirty="0">
-                <a:latin typeface="Microsoft JhengHei" panose="020B0604030504040204" pitchFamily="34" charset="-120"/>
-                <a:ea typeface="Microsoft JhengHei" panose="020B0604030504040204" pitchFamily="34" charset="-120"/>
-              </a:rPr>
-              <a:t>日</a:t>
-            </a:r>
-            <a:endParaRPr lang="en-US" altLang="zh-TW" sz="5400" b="1" dirty="0">
-              <a:latin typeface="Microsoft JhengHei" panose="020B0604030504040204" pitchFamily="34" charset="-120"/>
-              <a:ea typeface="Microsoft JhengHei" panose="020B0604030504040204" pitchFamily="34" charset="-120"/>
-            </a:endParaRPr>
-          </a:p>
-          <a:p>
-            <a:pPr marL="0" indent="0" algn="ctr">
-              <a:buNone/>
-            </a:pPr>
-            <a:r>
-              <a:rPr lang="zh-TW" altLang="en-US" sz="5400" b="1" dirty="0">
-                <a:latin typeface="Microsoft JhengHei" panose="020B0604030504040204" pitchFamily="34" charset="-120"/>
-                <a:ea typeface="Microsoft JhengHei" panose="020B0604030504040204" pitchFamily="34" charset="-120"/>
-              </a:rPr>
-              <a:t>一</a:t>
-            </a:r>
-            <a:r>
-              <a:rPr lang="zh-TW" altLang="en-US" sz="5400" b="1" dirty="0">
-                <a:latin typeface="Microsoft JhengHei" panose="020B0604030504040204" pitchFamily="34" charset="-120"/>
-                <a:ea typeface="Microsoft JhengHei" panose="020B0604030504040204" pitchFamily="34" charset="-120"/>
-              </a:rPr>
-              <a:t>直到永遠</a:t>
-            </a:r>
-            <a:endParaRPr lang="vi-VN" sz="5400" b="1" dirty="0">
-              <a:latin typeface="Microsoft JhengHei" panose="020B0604030504040204" pitchFamily="34" charset="-120"/>
+              <a:t>信實為我堅持  到最後</a:t>
+            </a:r>
+            <a:endParaRPr lang="vi-VN" sz="6400" b="1" dirty="0">
+              <a:solidFill>
+                <a:srgbClr val="000066"/>
+              </a:solidFill>
               <a:ea typeface="Microsoft JhengHei" panose="020B0604030504040204" pitchFamily="34" charset="-120"/>
             </a:endParaRPr>
           </a:p>
@@ -3841,7 +3515,7 @@
     </p:spTree>
     <p:extLst>
       <p:ext uri="{BB962C8B-B14F-4D97-AF65-F5344CB8AC3E}">
-        <p14:creationId xmlns:p14="http://schemas.microsoft.com/office/powerpoint/2010/main" val="3242756465"/>
+        <p14:creationId xmlns:p14="http://schemas.microsoft.com/office/powerpoint/2010/main" val="2161870314"/>
       </p:ext>
     </p:extLst>
   </p:cSld>
@@ -3870,58 +3544,463 @@
       </p:grpSpPr>
       <p:sp>
         <p:nvSpPr>
-          <p:cNvPr id="2" name="Title 1"/>
-          <p:cNvSpPr>
-            <a:spLocks noGrp="1"/>
-          </p:cNvSpPr>
-          <p:nvPr>
-            <p:ph type="title"/>
-          </p:nvPr>
-        </p:nvSpPr>
-        <p:spPr/>
-        <p:txBody>
-          <a:bodyPr>
+          <p:cNvPr id="5" name="內容版面配置區 4"/>
+          <p:cNvSpPr>
+            <a:spLocks noGrp="1"/>
+          </p:cNvSpPr>
+          <p:nvPr>
+            <p:ph idx="1"/>
+          </p:nvPr>
+        </p:nvSpPr>
+        <p:spPr>
+          <a:xfrm>
+            <a:off x="0" y="2084851"/>
+            <a:ext cx="12192000" cy="2404863"/>
+          </a:xfrm>
+        </p:spPr>
+        <p:txBody>
+          <a:bodyPr anchor="ctr">
             <a:normAutofit/>
           </a:bodyPr>
           <a:lstStyle/>
           <a:p>
-            <a:r>
-              <a:rPr lang="zh-TW" altLang="en-US" sz="4800" b="1" dirty="0" smtClean="0">
+            <a:pPr marL="0" indent="0" algn="ctr">
+              <a:buNone/>
+            </a:pPr>
+            <a:r>
+              <a:rPr lang="zh-TW" altLang="en-US" sz="6400" b="1" dirty="0">
+                <a:solidFill>
+                  <a:srgbClr val="000066"/>
+                </a:solidFill>
+                <a:latin typeface="Microsoft JhengHei" panose="020B0604030504040204" pitchFamily="34" charset="-120"/>
+                <a:ea typeface="Microsoft JhengHei" panose="020B0604030504040204" pitchFamily="34" charset="-120"/>
+              </a:rPr>
+              <a:t>當暴風雨向我靠近</a:t>
+            </a:r>
+            <a:endParaRPr lang="en-US" altLang="zh-TW" sz="6400" b="1" dirty="0">
+              <a:solidFill>
+                <a:srgbClr val="000066"/>
+              </a:solidFill>
+              <a:latin typeface="Microsoft JhengHei" panose="020B0604030504040204" pitchFamily="34" charset="-120"/>
+              <a:ea typeface="Microsoft JhengHei" panose="020B0604030504040204" pitchFamily="34" charset="-120"/>
+            </a:endParaRPr>
+          </a:p>
+          <a:p>
+            <a:pPr marL="0" indent="0" algn="ctr">
+              <a:buNone/>
+            </a:pPr>
+            <a:r>
+              <a:rPr lang="zh-TW" altLang="en-US" sz="6400" b="1" dirty="0">
+                <a:solidFill>
+                  <a:srgbClr val="000066"/>
+                </a:solidFill>
+                <a:latin typeface="Microsoft JhengHei" panose="020B0604030504040204" pitchFamily="34" charset="-120"/>
+                <a:ea typeface="Microsoft JhengHei" panose="020B0604030504040204" pitchFamily="34" charset="-120"/>
+              </a:rPr>
+              <a:t>有</a:t>
+            </a:r>
+            <a:r>
+              <a:rPr lang="zh-CN" altLang="en-US" sz="6400" b="1" dirty="0">
+                <a:solidFill>
+                  <a:srgbClr val="000066"/>
+                </a:solidFill>
+                <a:latin typeface="Microsoft JhengHei" panose="020B0604030504040204" pitchFamily="34" charset="-120"/>
+                <a:ea typeface="Microsoft JhengHei" panose="020B0604030504040204" pitchFamily="34" charset="-120"/>
+              </a:rPr>
+              <a:t>袮</a:t>
+            </a:r>
+            <a:r>
+              <a:rPr lang="zh-TW" altLang="en-US" sz="6400" b="1" dirty="0">
+                <a:solidFill>
+                  <a:srgbClr val="000066"/>
+                </a:solidFill>
+                <a:latin typeface="Microsoft JhengHei" panose="020B0604030504040204" pitchFamily="34" charset="-120"/>
+                <a:ea typeface="Microsoft JhengHei" panose="020B0604030504040204" pitchFamily="34" charset="-120"/>
+              </a:rPr>
+              <a:t>同在我不至畏懼</a:t>
+            </a:r>
+            <a:endParaRPr lang="en-US" altLang="zh-TW" sz="6400" b="1" dirty="0">
+              <a:solidFill>
+                <a:srgbClr val="000066"/>
+              </a:solidFill>
+              <a:latin typeface="Microsoft JhengHei" panose="020B0604030504040204" pitchFamily="34" charset="-120"/>
+              <a:ea typeface="Microsoft JhengHei" panose="020B0604030504040204" pitchFamily="34" charset="-120"/>
+            </a:endParaRPr>
+          </a:p>
+        </p:txBody>
+      </p:sp>
+    </p:spTree>
+    <p:extLst>
+      <p:ext uri="{BB962C8B-B14F-4D97-AF65-F5344CB8AC3E}">
+        <p14:creationId xmlns:p14="http://schemas.microsoft.com/office/powerpoint/2010/main" val="383689203"/>
+      </p:ext>
+    </p:extLst>
+  </p:cSld>
+  <p:clrMapOvr>
+    <a:masterClrMapping/>
+  </p:clrMapOvr>
+</p:sld>
+</file>
+
+<file path=ppt/slides/slide5.xml><?xml version="1.0" encoding="utf-8"?>
+<p:sld xmlns:a="http://schemas.openxmlformats.org/drawingml/2006/main" xmlns:r="http://schemas.openxmlformats.org/officeDocument/2006/relationships" xmlns:p="http://schemas.openxmlformats.org/presentationml/2006/main">
+  <p:cSld>
+    <p:spTree>
+      <p:nvGrpSpPr>
+        <p:cNvPr id="1" name=""/>
+        <p:cNvGrpSpPr/>
+        <p:nvPr/>
+      </p:nvGrpSpPr>
+      <p:grpSpPr>
+        <a:xfrm>
+          <a:off x="0" y="0"/>
+          <a:ext cx="0" cy="0"/>
+          <a:chOff x="0" y="0"/>
+          <a:chExt cx="0" cy="0"/>
+        </a:xfrm>
+      </p:grpSpPr>
+      <p:sp>
+        <p:nvSpPr>
+          <p:cNvPr id="5" name="內容版面配置區 4"/>
+          <p:cNvSpPr>
+            <a:spLocks noGrp="1"/>
+          </p:cNvSpPr>
+          <p:nvPr>
+            <p:ph idx="1"/>
+          </p:nvPr>
+        </p:nvSpPr>
+        <p:spPr>
+          <a:xfrm>
+            <a:off x="0" y="2084851"/>
+            <a:ext cx="12192000" cy="2404863"/>
+          </a:xfrm>
+        </p:spPr>
+        <p:txBody>
+          <a:bodyPr anchor="ctr">
+            <a:normAutofit/>
+          </a:bodyPr>
+          <a:lstStyle/>
+          <a:p>
+            <a:pPr marL="0" indent="0" algn="ctr">
+              <a:buNone/>
+            </a:pPr>
+            <a:r>
+              <a:rPr lang="zh-CN" altLang="en-US" sz="6400" b="1" dirty="0">
+                <a:solidFill>
+                  <a:srgbClr val="000066"/>
+                </a:solidFill>
+                <a:latin typeface="Microsoft JhengHei" panose="020B0604030504040204" pitchFamily="34" charset="-120"/>
+                <a:ea typeface="Microsoft JhengHei" panose="020B0604030504040204" pitchFamily="34" charset="-120"/>
+              </a:rPr>
+              <a:t>袮</a:t>
+            </a:r>
+            <a:r>
+              <a:rPr lang="zh-TW" altLang="en-US" sz="6400" b="1" dirty="0">
+                <a:solidFill>
+                  <a:srgbClr val="000066"/>
+                </a:solidFill>
+                <a:latin typeface="Microsoft JhengHei" panose="020B0604030504040204" pitchFamily="34" charset="-120"/>
+                <a:ea typeface="Microsoft JhengHei" panose="020B0604030504040204" pitchFamily="34" charset="-120"/>
+              </a:rPr>
+              <a:t>是我的牧者我所倚靠</a:t>
+            </a:r>
+            <a:endParaRPr lang="en-US" altLang="zh-TW" sz="6400" b="1" dirty="0">
+              <a:solidFill>
+                <a:srgbClr val="000066"/>
+              </a:solidFill>
+              <a:latin typeface="Microsoft JhengHei" panose="020B0604030504040204" pitchFamily="34" charset="-120"/>
+              <a:ea typeface="Microsoft JhengHei" panose="020B0604030504040204" pitchFamily="34" charset="-120"/>
+            </a:endParaRPr>
+          </a:p>
+        </p:txBody>
+      </p:sp>
+    </p:spTree>
+    <p:extLst>
+      <p:ext uri="{BB962C8B-B14F-4D97-AF65-F5344CB8AC3E}">
+        <p14:creationId xmlns:p14="http://schemas.microsoft.com/office/powerpoint/2010/main" val="4293686607"/>
+      </p:ext>
+    </p:extLst>
+  </p:cSld>
+  <p:clrMapOvr>
+    <a:masterClrMapping/>
+  </p:clrMapOvr>
+</p:sld>
+</file>
+
+<file path=ppt/slides/slide6.xml><?xml version="1.0" encoding="utf-8"?>
+<p:sld xmlns:a="http://schemas.openxmlformats.org/drawingml/2006/main" xmlns:r="http://schemas.openxmlformats.org/officeDocument/2006/relationships" xmlns:p="http://schemas.openxmlformats.org/presentationml/2006/main">
+  <p:cSld>
+    <p:spTree>
+      <p:nvGrpSpPr>
+        <p:cNvPr id="1" name=""/>
+        <p:cNvGrpSpPr/>
+        <p:nvPr/>
+      </p:nvGrpSpPr>
+      <p:grpSpPr>
+        <a:xfrm>
+          <a:off x="0" y="0"/>
+          <a:ext cx="0" cy="0"/>
+          <a:chOff x="0" y="0"/>
+          <a:chExt cx="0" cy="0"/>
+        </a:xfrm>
+      </p:grpSpPr>
+      <p:sp>
+        <p:nvSpPr>
+          <p:cNvPr id="5" name="內容版面配置區 4"/>
+          <p:cNvSpPr>
+            <a:spLocks noGrp="1"/>
+          </p:cNvSpPr>
+          <p:nvPr>
+            <p:ph idx="1"/>
+          </p:nvPr>
+        </p:nvSpPr>
+        <p:spPr>
+          <a:xfrm>
+            <a:off x="0" y="2084851"/>
+            <a:ext cx="12192000" cy="2404863"/>
+          </a:xfrm>
+        </p:spPr>
+        <p:txBody>
+          <a:bodyPr anchor="ctr">
+            <a:normAutofit/>
+          </a:bodyPr>
+          <a:lstStyle/>
+          <a:p>
+            <a:pPr marL="0" indent="0" algn="ctr">
+              <a:buNone/>
+            </a:pPr>
+            <a:r>
+              <a:rPr lang="zh-TW" altLang="en-US" sz="6400" b="1" dirty="0">
+                <a:solidFill>
+                  <a:srgbClr val="000066"/>
+                </a:solidFill>
+                <a:latin typeface="Microsoft JhengHei" panose="020B0604030504040204" pitchFamily="34" charset="-120"/>
+                <a:ea typeface="Microsoft JhengHei" panose="020B0604030504040204" pitchFamily="34" charset="-120"/>
+              </a:rPr>
+              <a:t>每個夜  每一天</a:t>
+            </a:r>
+            <a:endParaRPr lang="en-US" altLang="zh-TW" sz="6400" b="1" dirty="0">
+              <a:solidFill>
+                <a:srgbClr val="000066"/>
+              </a:solidFill>
+              <a:latin typeface="Microsoft JhengHei" panose="020B0604030504040204" pitchFamily="34" charset="-120"/>
+              <a:ea typeface="Microsoft JhengHei" panose="020B0604030504040204" pitchFamily="34" charset="-120"/>
+            </a:endParaRPr>
+          </a:p>
+          <a:p>
+            <a:pPr marL="0" indent="0" algn="ctr">
+              <a:buNone/>
+            </a:pPr>
+            <a:r>
+              <a:rPr lang="zh-TW" altLang="en-US" sz="6400" b="1" dirty="0">
+                <a:solidFill>
+                  <a:srgbClr val="000066"/>
+                </a:solidFill>
+                <a:latin typeface="Microsoft JhengHei" panose="020B0604030504040204" pitchFamily="34" charset="-120"/>
+                <a:ea typeface="Microsoft JhengHei" panose="020B0604030504040204" pitchFamily="34" charset="-120"/>
+              </a:rPr>
+              <a:t>我知</a:t>
+            </a:r>
+            <a:r>
+              <a:rPr lang="zh-CN" altLang="en-US" sz="6400" b="1" dirty="0">
+                <a:solidFill>
+                  <a:srgbClr val="000066"/>
+                </a:solidFill>
+                <a:latin typeface="Microsoft JhengHei" panose="020B0604030504040204" pitchFamily="34" charset="-120"/>
+                <a:ea typeface="Microsoft JhengHei" panose="020B0604030504040204" pitchFamily="34" charset="-120"/>
+              </a:rPr>
+              <a:t>袮</a:t>
+            </a:r>
+            <a:r>
+              <a:rPr lang="zh-TW" altLang="en-US" sz="6400" b="1" dirty="0">
+                <a:solidFill>
+                  <a:srgbClr val="000066"/>
+                </a:solidFill>
+                <a:latin typeface="Microsoft JhengHei" panose="020B0604030504040204" pitchFamily="34" charset="-120"/>
+                <a:ea typeface="Microsoft JhengHei" panose="020B0604030504040204" pitchFamily="34" charset="-120"/>
+              </a:rPr>
+              <a:t>永遠在身邊</a:t>
+            </a:r>
+            <a:endParaRPr lang="vi-VN" sz="6400" b="1" dirty="0">
+              <a:solidFill>
+                <a:srgbClr val="000066"/>
+              </a:solidFill>
+              <a:latin typeface="Microsoft JhengHei" panose="020B0604030504040204" pitchFamily="34" charset="-120"/>
+              <a:ea typeface="Microsoft JhengHei" panose="020B0604030504040204" pitchFamily="34" charset="-120"/>
+            </a:endParaRPr>
+          </a:p>
+        </p:txBody>
+      </p:sp>
+    </p:spTree>
+    <p:extLst>
+      <p:ext uri="{BB962C8B-B14F-4D97-AF65-F5344CB8AC3E}">
+        <p14:creationId xmlns:p14="http://schemas.microsoft.com/office/powerpoint/2010/main" val="2124203829"/>
+      </p:ext>
+    </p:extLst>
+  </p:cSld>
+  <p:clrMapOvr>
+    <a:masterClrMapping/>
+  </p:clrMapOvr>
+</p:sld>
+</file>
+
+<file path=ppt/slides/slide7.xml><?xml version="1.0" encoding="utf-8"?>
+<p:sld xmlns:a="http://schemas.openxmlformats.org/drawingml/2006/main" xmlns:r="http://schemas.openxmlformats.org/officeDocument/2006/relationships" xmlns:p="http://schemas.openxmlformats.org/presentationml/2006/main">
+  <p:cSld>
+    <p:spTree>
+      <p:nvGrpSpPr>
+        <p:cNvPr id="1" name=""/>
+        <p:cNvGrpSpPr/>
+        <p:nvPr/>
+      </p:nvGrpSpPr>
+      <p:grpSpPr>
+        <a:xfrm>
+          <a:off x="0" y="0"/>
+          <a:ext cx="0" cy="0"/>
+          <a:chOff x="0" y="0"/>
+          <a:chExt cx="0" cy="0"/>
+        </a:xfrm>
+      </p:grpSpPr>
+      <p:sp>
+        <p:nvSpPr>
+          <p:cNvPr id="5" name="內容版面配置區 4"/>
+          <p:cNvSpPr>
+            <a:spLocks noGrp="1"/>
+          </p:cNvSpPr>
+          <p:nvPr>
+            <p:ph idx="1"/>
+          </p:nvPr>
+        </p:nvSpPr>
+        <p:spPr>
+          <a:xfrm>
+            <a:off x="0" y="2084851"/>
+            <a:ext cx="12192000" cy="2404863"/>
+          </a:xfrm>
+        </p:spPr>
+        <p:txBody>
+          <a:bodyPr anchor="ctr">
+            <a:normAutofit/>
+          </a:bodyPr>
+          <a:lstStyle/>
+          <a:p>
+            <a:pPr marL="0" indent="0" algn="ctr">
+              <a:buNone/>
+            </a:pPr>
+            <a:r>
+              <a:rPr lang="zh-TW" altLang="en-US" sz="6400" b="1" dirty="0">
+                <a:solidFill>
+                  <a:srgbClr val="000066"/>
+                </a:solidFill>
                 <a:latin typeface="Microsoft JhengHei" panose="020B0604030504040204" pitchFamily="34" charset="-120"/>
                 <a:ea typeface="Microsoft JhengHei" panose="020B0604030504040204" pitchFamily="34" charset="-120"/>
               </a:rPr>
               <a:t>主</a:t>
             </a:r>
             <a:r>
-              <a:rPr lang="zh-CN" altLang="en-US" sz="4800" b="1" dirty="0" smtClean="0">
+              <a:rPr lang="zh-CN" altLang="en-US" sz="6400" b="1" dirty="0">
+                <a:solidFill>
+                  <a:srgbClr val="000066"/>
+                </a:solidFill>
                 <a:latin typeface="Microsoft JhengHei" panose="020B0604030504040204" pitchFamily="34" charset="-120"/>
                 <a:ea typeface="Microsoft JhengHei" panose="020B0604030504040204" pitchFamily="34" charset="-120"/>
               </a:rPr>
               <a:t>袮</a:t>
             </a:r>
             <a:r>
-              <a:rPr lang="zh-TW" altLang="en-US" sz="4800" b="1" dirty="0" smtClean="0">
+              <a:rPr lang="zh-TW" altLang="en-US" sz="6400" b="1" dirty="0">
+                <a:solidFill>
+                  <a:srgbClr val="000066"/>
+                </a:solidFill>
                 <a:latin typeface="Microsoft JhengHei" panose="020B0604030504040204" pitchFamily="34" charset="-120"/>
                 <a:ea typeface="Microsoft JhengHei" panose="020B0604030504040204" pitchFamily="34" charset="-120"/>
               </a:rPr>
-              <a:t>永</a:t>
-            </a:r>
-            <a:r>
-              <a:rPr lang="zh-TW" altLang="en-US" sz="4800" b="1" dirty="0">
+              <a:t>永遠與我同在</a:t>
+            </a:r>
+            <a:endParaRPr lang="en-US" altLang="zh-TW" sz="6400" b="1" dirty="0">
+              <a:solidFill>
+                <a:srgbClr val="000066"/>
+              </a:solidFill>
+              <a:latin typeface="Microsoft JhengHei" panose="020B0604030504040204" pitchFamily="34" charset="-120"/>
+              <a:ea typeface="Microsoft JhengHei" panose="020B0604030504040204" pitchFamily="34" charset="-120"/>
+            </a:endParaRPr>
+          </a:p>
+          <a:p>
+            <a:pPr marL="0" indent="0" algn="ctr">
+              <a:buNone/>
+            </a:pPr>
+            <a:r>
+              <a:rPr lang="zh-TW" altLang="en-US" sz="6400" b="1" dirty="0">
+                <a:solidFill>
+                  <a:srgbClr val="000066"/>
+                </a:solidFill>
                 <a:latin typeface="Microsoft JhengHei" panose="020B0604030504040204" pitchFamily="34" charset="-120"/>
                 <a:ea typeface="Microsoft JhengHei" panose="020B0604030504040204" pitchFamily="34" charset="-120"/>
               </a:rPr>
-              <a:t>遠與我同在</a:t>
-            </a:r>
-            <a:endParaRPr lang="vi-VN" sz="4800" b="1" dirty="0">
+              <a:t>在</a:t>
+            </a:r>
+            <a:r>
+              <a:rPr lang="zh-CN" altLang="en-US" sz="6400" b="1" dirty="0">
+                <a:solidFill>
+                  <a:srgbClr val="000066"/>
+                </a:solidFill>
+                <a:latin typeface="Microsoft JhengHei" panose="020B0604030504040204" pitchFamily="34" charset="-120"/>
+                <a:ea typeface="Microsoft JhengHei" panose="020B0604030504040204" pitchFamily="34" charset="-120"/>
+              </a:rPr>
+              <a:t>袮</a:t>
+            </a:r>
+            <a:r>
+              <a:rPr lang="zh-TW" altLang="en-US" sz="6400" b="1" dirty="0">
+                <a:solidFill>
+                  <a:srgbClr val="000066"/>
+                </a:solidFill>
+                <a:latin typeface="Microsoft JhengHei" panose="020B0604030504040204" pitchFamily="34" charset="-120"/>
+                <a:ea typeface="Microsoft JhengHei" panose="020B0604030504040204" pitchFamily="34" charset="-120"/>
+              </a:rPr>
+              <a:t>裡面沒有改變</a:t>
+            </a:r>
+            <a:endParaRPr lang="en-US" altLang="zh-TW" sz="6400" b="1" dirty="0">
+              <a:solidFill>
+                <a:srgbClr val="000066"/>
+              </a:solidFill>
+              <a:latin typeface="Microsoft JhengHei" panose="020B0604030504040204" pitchFamily="34" charset="-120"/>
               <a:ea typeface="Microsoft JhengHei" panose="020B0604030504040204" pitchFamily="34" charset="-120"/>
             </a:endParaRPr>
           </a:p>
         </p:txBody>
       </p:sp>
-      <p:sp>
-        <p:nvSpPr>
-          <p:cNvPr id="3" name="Content Placeholder 2"/>
+    </p:spTree>
+    <p:extLst>
+      <p:ext uri="{BB962C8B-B14F-4D97-AF65-F5344CB8AC3E}">
+        <p14:creationId xmlns:p14="http://schemas.microsoft.com/office/powerpoint/2010/main" val="3928250919"/>
+      </p:ext>
+    </p:extLst>
+  </p:cSld>
+  <p:clrMapOvr>
+    <a:masterClrMapping/>
+  </p:clrMapOvr>
+</p:sld>
+</file>
+
+<file path=ppt/slides/slide8.xml><?xml version="1.0" encoding="utf-8"?>
+<p:sld xmlns:a="http://schemas.openxmlformats.org/drawingml/2006/main" xmlns:r="http://schemas.openxmlformats.org/officeDocument/2006/relationships" xmlns:p="http://schemas.openxmlformats.org/presentationml/2006/main">
+  <p:cSld>
+    <p:spTree>
+      <p:nvGrpSpPr>
+        <p:cNvPr id="1" name=""/>
+        <p:cNvGrpSpPr/>
+        <p:nvPr/>
+      </p:nvGrpSpPr>
+      <p:grpSpPr>
+        <a:xfrm>
+          <a:off x="0" y="0"/>
+          <a:ext cx="0" cy="0"/>
+          <a:chOff x="0" y="0"/>
+          <a:chExt cx="0" cy="0"/>
+        </a:xfrm>
+      </p:grpSpPr>
+      <p:sp>
+        <p:nvSpPr>
+          <p:cNvPr id="5" name="內容版面配置區 4"/>
           <p:cNvSpPr>
             <a:spLocks noGrp="1"/>
           </p:cNvSpPr>
@@ -3929,9 +4008,14 @@
             <p:ph idx="1"/>
           </p:nvPr>
         </p:nvSpPr>
-        <p:spPr/>
-        <p:txBody>
-          <a:bodyPr>
+        <p:spPr>
+          <a:xfrm>
+            <a:off x="0" y="2084851"/>
+            <a:ext cx="12192000" cy="2404863"/>
+          </a:xfrm>
+        </p:spPr>
+        <p:txBody>
+          <a:bodyPr anchor="ctr">
             <a:normAutofit/>
           </a:bodyPr>
           <a:lstStyle/>
@@ -3940,183 +4024,198 @@
               <a:buNone/>
             </a:pPr>
             <a:r>
-              <a:rPr lang="zh-TW" altLang="en-US" sz="5400" b="1" dirty="0" smtClean="0">
+              <a:rPr lang="zh-CN" altLang="en-US" sz="6400" b="1" dirty="0">
+                <a:solidFill>
+                  <a:srgbClr val="000066"/>
+                </a:solidFill>
+                <a:latin typeface="Microsoft JhengHei" panose="020B0604030504040204" pitchFamily="34" charset="-120"/>
+                <a:ea typeface="Microsoft JhengHei" panose="020B0604030504040204" pitchFamily="34" charset="-120"/>
+              </a:rPr>
+              <a:t>袮</a:t>
+            </a:r>
+            <a:r>
+              <a:rPr lang="zh-TW" altLang="en-US" sz="6400" b="1" dirty="0">
+                <a:solidFill>
+                  <a:srgbClr val="000066"/>
+                </a:solidFill>
+                <a:latin typeface="Microsoft JhengHei" panose="020B0604030504040204" pitchFamily="34" charset="-120"/>
+                <a:ea typeface="Microsoft JhengHei" panose="020B0604030504040204" pitchFamily="34" charset="-120"/>
+              </a:rPr>
+              <a:t>的堅定  從昨日到今日</a:t>
+            </a:r>
+            <a:endParaRPr lang="en-US" altLang="zh-TW" sz="6400" b="1" dirty="0">
+              <a:solidFill>
+                <a:srgbClr val="000066"/>
+              </a:solidFill>
+              <a:latin typeface="Microsoft JhengHei" panose="020B0604030504040204" pitchFamily="34" charset="-120"/>
+              <a:ea typeface="Microsoft JhengHei" panose="020B0604030504040204" pitchFamily="34" charset="-120"/>
+            </a:endParaRPr>
+          </a:p>
+          <a:p>
+            <a:pPr marL="0" indent="0" algn="ctr">
+              <a:buNone/>
+            </a:pPr>
+            <a:r>
+              <a:rPr lang="zh-TW" altLang="en-US" sz="6400" b="1" dirty="0">
+                <a:solidFill>
+                  <a:srgbClr val="000066"/>
+                </a:solidFill>
+                <a:latin typeface="Microsoft JhengHei" panose="020B0604030504040204" pitchFamily="34" charset="-120"/>
+                <a:ea typeface="Microsoft JhengHei" panose="020B0604030504040204" pitchFamily="34" charset="-120"/>
+              </a:rPr>
+              <a:t>一直到永遠</a:t>
+            </a:r>
+            <a:endParaRPr lang="vi-VN" sz="6400" b="1" dirty="0">
+              <a:solidFill>
+                <a:srgbClr val="000066"/>
+              </a:solidFill>
+              <a:latin typeface="Microsoft JhengHei" panose="020B0604030504040204" pitchFamily="34" charset="-120"/>
+              <a:ea typeface="Microsoft JhengHei" panose="020B0604030504040204" pitchFamily="34" charset="-120"/>
+            </a:endParaRPr>
+          </a:p>
+        </p:txBody>
+      </p:sp>
+    </p:spTree>
+    <p:extLst>
+      <p:ext uri="{BB962C8B-B14F-4D97-AF65-F5344CB8AC3E}">
+        <p14:creationId xmlns:p14="http://schemas.microsoft.com/office/powerpoint/2010/main" val="1705892445"/>
+      </p:ext>
+    </p:extLst>
+  </p:cSld>
+  <p:clrMapOvr>
+    <a:masterClrMapping/>
+  </p:clrMapOvr>
+</p:sld>
+</file>
+
+<file path=ppt/slides/slide9.xml><?xml version="1.0" encoding="utf-8"?>
+<p:sld xmlns:a="http://schemas.openxmlformats.org/drawingml/2006/main" xmlns:r="http://schemas.openxmlformats.org/officeDocument/2006/relationships" xmlns:p="http://schemas.openxmlformats.org/presentationml/2006/main">
+  <p:cSld>
+    <p:spTree>
+      <p:nvGrpSpPr>
+        <p:cNvPr id="1" name=""/>
+        <p:cNvGrpSpPr/>
+        <p:nvPr/>
+      </p:nvGrpSpPr>
+      <p:grpSpPr>
+        <a:xfrm>
+          <a:off x="0" y="0"/>
+          <a:ext cx="0" cy="0"/>
+          <a:chOff x="0" y="0"/>
+          <a:chExt cx="0" cy="0"/>
+        </a:xfrm>
+      </p:grpSpPr>
+      <p:sp>
+        <p:nvSpPr>
+          <p:cNvPr id="5" name="內容版面配置區 4"/>
+          <p:cNvSpPr>
+            <a:spLocks noGrp="1"/>
+          </p:cNvSpPr>
+          <p:nvPr>
+            <p:ph idx="1"/>
+          </p:nvPr>
+        </p:nvSpPr>
+        <p:spPr>
+          <a:xfrm>
+            <a:off x="0" y="2084851"/>
+            <a:ext cx="12192000" cy="2404863"/>
+          </a:xfrm>
+        </p:spPr>
+        <p:txBody>
+          <a:bodyPr anchor="ctr">
+            <a:normAutofit/>
+          </a:bodyPr>
+          <a:lstStyle/>
+          <a:p>
+            <a:pPr marL="0" indent="0" algn="ctr">
+              <a:buNone/>
+            </a:pPr>
+            <a:r>
+              <a:rPr lang="zh-TW" altLang="en-US" sz="6400" b="1" dirty="0">
+                <a:solidFill>
+                  <a:srgbClr val="000066"/>
+                </a:solidFill>
                 <a:latin typeface="Microsoft JhengHei" panose="020B0604030504040204" pitchFamily="34" charset="-120"/>
                 <a:ea typeface="Microsoft JhengHei" panose="020B0604030504040204" pitchFamily="34" charset="-120"/>
               </a:rPr>
               <a:t>靠</a:t>
             </a:r>
             <a:r>
-              <a:rPr lang="zh-CN" altLang="en-US" sz="5400" b="1" dirty="0">
+              <a:rPr lang="zh-CN" altLang="en-US" sz="6400" b="1" dirty="0">
+                <a:solidFill>
+                  <a:srgbClr val="000066"/>
+                </a:solidFill>
                 <a:latin typeface="Microsoft JhengHei" panose="020B0604030504040204" pitchFamily="34" charset="-120"/>
                 <a:ea typeface="Microsoft JhengHei" panose="020B0604030504040204" pitchFamily="34" charset="-120"/>
               </a:rPr>
               <a:t>袮</a:t>
             </a:r>
             <a:r>
-              <a:rPr lang="zh-TW" altLang="en-US" sz="5400" b="1" dirty="0" smtClean="0">
+              <a:rPr lang="zh-TW" altLang="en-US" sz="6400" b="1" dirty="0">
+                <a:solidFill>
+                  <a:srgbClr val="000066"/>
+                </a:solidFill>
                 <a:latin typeface="Microsoft JhengHei" panose="020B0604030504040204" pitchFamily="34" charset="-120"/>
                 <a:ea typeface="Microsoft JhengHei" panose="020B0604030504040204" pitchFamily="34" charset="-120"/>
               </a:rPr>
-              <a:t>豐</a:t>
-            </a:r>
-            <a:r>
-              <a:rPr lang="zh-TW" altLang="en-US" sz="5400" b="1" dirty="0">
+              <a:t>豐盛應許站立</a:t>
+            </a:r>
+            <a:endParaRPr lang="en-US" altLang="zh-TW" sz="6400" b="1" dirty="0">
+              <a:solidFill>
+                <a:srgbClr val="000066"/>
+              </a:solidFill>
+              <a:latin typeface="Microsoft JhengHei" panose="020B0604030504040204" pitchFamily="34" charset="-120"/>
+              <a:ea typeface="Microsoft JhengHei" panose="020B0604030504040204" pitchFamily="34" charset="-120"/>
+            </a:endParaRPr>
+          </a:p>
+          <a:p>
+            <a:pPr marL="0" indent="0" algn="ctr">
+              <a:buNone/>
+            </a:pPr>
+            <a:r>
+              <a:rPr lang="zh-TW" altLang="en-US" sz="6400" b="1" dirty="0">
+                <a:solidFill>
+                  <a:srgbClr val="000066"/>
+                </a:solidFill>
                 <a:latin typeface="Microsoft JhengHei" panose="020B0604030504040204" pitchFamily="34" charset="-120"/>
                 <a:ea typeface="Microsoft JhengHei" panose="020B0604030504040204" pitchFamily="34" charset="-120"/>
               </a:rPr>
-              <a:t>盛應許站</a:t>
-            </a:r>
-            <a:r>
-              <a:rPr lang="zh-TW" altLang="en-US" sz="5400" b="1" dirty="0">
-                <a:latin typeface="Microsoft JhengHei" panose="020B0604030504040204" pitchFamily="34" charset="-120"/>
-                <a:ea typeface="Microsoft JhengHei" panose="020B0604030504040204" pitchFamily="34" charset="-120"/>
-              </a:rPr>
-              <a:t>立</a:t>
-            </a:r>
-            <a:endParaRPr lang="en-US" altLang="zh-TW" sz="5400" b="1" dirty="0">
-              <a:latin typeface="Microsoft JhengHei" panose="020B0604030504040204" pitchFamily="34" charset="-120"/>
-              <a:ea typeface="Microsoft JhengHei" panose="020B0604030504040204" pitchFamily="34" charset="-120"/>
-            </a:endParaRPr>
-          </a:p>
-          <a:p>
-            <a:pPr marL="0" indent="0" algn="ctr">
-              <a:buNone/>
-            </a:pPr>
-            <a:r>
-              <a:rPr lang="zh-TW" altLang="en-US" sz="5400" b="1" dirty="0">
-                <a:latin typeface="Microsoft JhengHei" panose="020B0604030504040204" pitchFamily="34" charset="-120"/>
-                <a:ea typeface="Microsoft JhengHei" panose="020B0604030504040204" pitchFamily="34" charset="-120"/>
-              </a:rPr>
-              <a:t>我</a:t>
-            </a:r>
-            <a:r>
-              <a:rPr lang="zh-TW" altLang="en-US" sz="5400" b="1" dirty="0">
-                <a:latin typeface="Microsoft JhengHei" panose="020B0604030504040204" pitchFamily="34" charset="-120"/>
-                <a:ea typeface="Microsoft JhengHei" panose="020B0604030504040204" pitchFamily="34" charset="-120"/>
-              </a:rPr>
-              <a:t>的未來</a:t>
-            </a:r>
-            <a:r>
-              <a:rPr lang="zh-TW" altLang="en-US" sz="5400" b="1" dirty="0" smtClean="0">
-                <a:latin typeface="Microsoft JhengHei" panose="020B0604030504040204" pitchFamily="34" charset="-120"/>
-                <a:ea typeface="Microsoft JhengHei" panose="020B0604030504040204" pitchFamily="34" charset="-120"/>
-              </a:rPr>
-              <a:t>在</a:t>
-            </a:r>
-            <a:r>
-              <a:rPr lang="zh-CN" altLang="en-US" sz="5400" b="1" dirty="0">
+              <a:t>我的未來在</a:t>
+            </a:r>
+            <a:r>
+              <a:rPr lang="zh-CN" altLang="en-US" sz="6400" b="1" dirty="0">
+                <a:solidFill>
+                  <a:srgbClr val="000066"/>
+                </a:solidFill>
                 <a:latin typeface="Microsoft JhengHei" panose="020B0604030504040204" pitchFamily="34" charset="-120"/>
                 <a:ea typeface="Microsoft JhengHei" panose="020B0604030504040204" pitchFamily="34" charset="-120"/>
               </a:rPr>
               <a:t>袮</a:t>
             </a:r>
             <a:r>
-              <a:rPr lang="zh-TW" altLang="en-US" sz="5400" b="1" dirty="0" smtClean="0">
+              <a:rPr lang="zh-TW" altLang="en-US" sz="6400" b="1" dirty="0">
+                <a:solidFill>
+                  <a:srgbClr val="000066"/>
+                </a:solidFill>
                 <a:latin typeface="Microsoft JhengHei" panose="020B0604030504040204" pitchFamily="34" charset="-120"/>
                 <a:ea typeface="Microsoft JhengHei" panose="020B0604030504040204" pitchFamily="34" charset="-120"/>
               </a:rPr>
-              <a:t>手</a:t>
-            </a:r>
-            <a:r>
-              <a:rPr lang="zh-TW" altLang="en-US" sz="5400" b="1" dirty="0">
-                <a:latin typeface="Microsoft JhengHei" panose="020B0604030504040204" pitchFamily="34" charset="-120"/>
-                <a:ea typeface="Microsoft JhengHei" panose="020B0604030504040204" pitchFamily="34" charset="-120"/>
-              </a:rPr>
-              <a:t>中</a:t>
-            </a:r>
-            <a:endParaRPr lang="en-US" altLang="zh-TW" sz="5400" b="1" dirty="0">
+              <a:t>手中</a:t>
+            </a:r>
+            <a:endParaRPr lang="en-US" altLang="zh-TW" sz="6400" b="1" dirty="0">
+              <a:solidFill>
+                <a:srgbClr val="000066"/>
+              </a:solidFill>
               <a:latin typeface="Microsoft JhengHei" panose="020B0604030504040204" pitchFamily="34" charset="-120"/>
               <a:ea typeface="Microsoft JhengHei" panose="020B0604030504040204" pitchFamily="34" charset="-120"/>
             </a:endParaRPr>
           </a:p>
-          <a:p>
-            <a:pPr marL="0" indent="0" algn="ctr">
-              <a:buNone/>
-            </a:pPr>
-            <a:r>
-              <a:rPr lang="zh-TW" altLang="en-US" sz="5400" b="1" dirty="0">
-                <a:latin typeface="Microsoft JhengHei" panose="020B0604030504040204" pitchFamily="34" charset="-120"/>
-                <a:ea typeface="Microsoft JhengHei" panose="020B0604030504040204" pitchFamily="34" charset="-120"/>
-              </a:rPr>
-              <a:t>堅</a:t>
-            </a:r>
-            <a:r>
-              <a:rPr lang="zh-TW" altLang="en-US" sz="5400" b="1" dirty="0">
-                <a:latin typeface="Microsoft JhengHei" panose="020B0604030504040204" pitchFamily="34" charset="-120"/>
-                <a:ea typeface="Microsoft JhengHei" panose="020B0604030504040204" pitchFamily="34" charset="-120"/>
-              </a:rPr>
-              <a:t>固磐</a:t>
-            </a:r>
-            <a:r>
-              <a:rPr lang="zh-TW" altLang="en-US" sz="5400" b="1" dirty="0" smtClean="0">
-                <a:latin typeface="Microsoft JhengHei" panose="020B0604030504040204" pitchFamily="34" charset="-120"/>
-                <a:ea typeface="Microsoft JhengHei" panose="020B0604030504040204" pitchFamily="34" charset="-120"/>
-              </a:rPr>
-              <a:t>石  全</a:t>
-            </a:r>
-            <a:r>
-              <a:rPr lang="zh-TW" altLang="en-US" sz="5400" b="1" dirty="0">
-                <a:latin typeface="Microsoft JhengHei" panose="020B0604030504040204" pitchFamily="34" charset="-120"/>
-                <a:ea typeface="Microsoft JhengHei" panose="020B0604030504040204" pitchFamily="34" charset="-120"/>
-              </a:rPr>
-              <a:t>能真</a:t>
-            </a:r>
-            <a:r>
-              <a:rPr lang="zh-TW" altLang="en-US" sz="5400" b="1" dirty="0">
-                <a:latin typeface="Microsoft JhengHei" panose="020B0604030504040204" pitchFamily="34" charset="-120"/>
-                <a:ea typeface="Microsoft JhengHei" panose="020B0604030504040204" pitchFamily="34" charset="-120"/>
-              </a:rPr>
-              <a:t>神</a:t>
-            </a:r>
-            <a:endParaRPr lang="en-US" altLang="zh-TW" sz="5400" b="1" dirty="0">
-              <a:latin typeface="Microsoft JhengHei" panose="020B0604030504040204" pitchFamily="34" charset="-120"/>
-              <a:ea typeface="Microsoft JhengHei" panose="020B0604030504040204" pitchFamily="34" charset="-120"/>
-            </a:endParaRPr>
-          </a:p>
-          <a:p>
-            <a:pPr marL="0" indent="0" algn="ctr">
-              <a:buNone/>
-            </a:pPr>
-            <a:r>
-              <a:rPr lang="zh-TW" altLang="en-US" sz="5400" b="1" dirty="0">
-                <a:latin typeface="Microsoft JhengHei" panose="020B0604030504040204" pitchFamily="34" charset="-120"/>
-                <a:ea typeface="Microsoft JhengHei" panose="020B0604030504040204" pitchFamily="34" charset="-120"/>
-              </a:rPr>
-              <a:t>我</a:t>
-            </a:r>
-            <a:r>
-              <a:rPr lang="zh-TW" altLang="en-US" sz="5400" b="1" dirty="0">
-                <a:latin typeface="Microsoft JhengHei" panose="020B0604030504040204" pitchFamily="34" charset="-120"/>
-                <a:ea typeface="Microsoft JhengHei" panose="020B0604030504040204" pitchFamily="34" charset="-120"/>
-              </a:rPr>
-              <a:t>敬</a:t>
-            </a:r>
-            <a:r>
-              <a:rPr lang="zh-TW" altLang="en-US" sz="5400" b="1" dirty="0" smtClean="0">
-                <a:latin typeface="Microsoft JhengHei" panose="020B0604030504040204" pitchFamily="34" charset="-120"/>
-                <a:ea typeface="Microsoft JhengHei" panose="020B0604030504040204" pitchFamily="34" charset="-120"/>
-              </a:rPr>
-              <a:t>拜</a:t>
-            </a:r>
-            <a:r>
-              <a:rPr lang="zh-CN" altLang="en-US" sz="5400" b="1" dirty="0">
-                <a:latin typeface="Microsoft JhengHei" panose="020B0604030504040204" pitchFamily="34" charset="-120"/>
-                <a:ea typeface="Microsoft JhengHei" panose="020B0604030504040204" pitchFamily="34" charset="-120"/>
-              </a:rPr>
-              <a:t>袮</a:t>
-            </a:r>
-            <a:endParaRPr lang="vi-VN" sz="5400" b="1" dirty="0">
-              <a:latin typeface="Microsoft JhengHei" panose="020B0604030504040204" pitchFamily="34" charset="-120"/>
-              <a:ea typeface="Microsoft JhengHei" panose="020B0604030504040204" pitchFamily="34" charset="-120"/>
-            </a:endParaRPr>
-          </a:p>
         </p:txBody>
       </p:sp>
     </p:spTree>
     <p:extLst>
       <p:ext uri="{BB962C8B-B14F-4D97-AF65-F5344CB8AC3E}">
-        <p14:creationId xmlns:p14="http://schemas.microsoft.com/office/powerpoint/2010/main" val="2326084549"/>
+        <p14:creationId xmlns:p14="http://schemas.microsoft.com/office/powerpoint/2010/main" val="1359850627"/>
       </p:ext>
     </p:extLst>
   </p:cSld>

--- a/主你永遠與我同在.pptx
+++ b/主你永遠與我同在.pptx
@@ -302,7 +302,7 @@
           <a:p>
             <a:fld id="{51E03D83-76E9-47BE-9E3E-C113360851A7}" type="datetimeFigureOut">
               <a:rPr lang="vi-VN" smtClean="0"/>
-              <a:t>28/04/2021</a:t>
+              <a:t>16/07/2022</a:t>
             </a:fld>
             <a:endParaRPr lang="vi-VN"/>
           </a:p>
@@ -472,7 +472,7 @@
           <a:p>
             <a:fld id="{51E03D83-76E9-47BE-9E3E-C113360851A7}" type="datetimeFigureOut">
               <a:rPr lang="vi-VN" smtClean="0"/>
-              <a:t>28/04/2021</a:t>
+              <a:t>16/07/2022</a:t>
             </a:fld>
             <a:endParaRPr lang="vi-VN"/>
           </a:p>
@@ -652,7 +652,7 @@
           <a:p>
             <a:fld id="{51E03D83-76E9-47BE-9E3E-C113360851A7}" type="datetimeFigureOut">
               <a:rPr lang="vi-VN" smtClean="0"/>
-              <a:t>28/04/2021</a:t>
+              <a:t>16/07/2022</a:t>
             </a:fld>
             <a:endParaRPr lang="vi-VN"/>
           </a:p>
@@ -822,7 +822,7 @@
           <a:p>
             <a:fld id="{51E03D83-76E9-47BE-9E3E-C113360851A7}" type="datetimeFigureOut">
               <a:rPr lang="vi-VN" smtClean="0"/>
-              <a:t>28/04/2021</a:t>
+              <a:t>16/07/2022</a:t>
             </a:fld>
             <a:endParaRPr lang="vi-VN"/>
           </a:p>
@@ -1068,7 +1068,7 @@
           <a:p>
             <a:fld id="{51E03D83-76E9-47BE-9E3E-C113360851A7}" type="datetimeFigureOut">
               <a:rPr lang="vi-VN" smtClean="0"/>
-              <a:t>28/04/2021</a:t>
+              <a:t>16/07/2022</a:t>
             </a:fld>
             <a:endParaRPr lang="vi-VN"/>
           </a:p>
@@ -1356,7 +1356,7 @@
           <a:p>
             <a:fld id="{51E03D83-76E9-47BE-9E3E-C113360851A7}" type="datetimeFigureOut">
               <a:rPr lang="vi-VN" smtClean="0"/>
-              <a:t>28/04/2021</a:t>
+              <a:t>16/07/2022</a:t>
             </a:fld>
             <a:endParaRPr lang="vi-VN"/>
           </a:p>
@@ -1778,7 +1778,7 @@
           <a:p>
             <a:fld id="{51E03D83-76E9-47BE-9E3E-C113360851A7}" type="datetimeFigureOut">
               <a:rPr lang="vi-VN" smtClean="0"/>
-              <a:t>28/04/2021</a:t>
+              <a:t>16/07/2022</a:t>
             </a:fld>
             <a:endParaRPr lang="vi-VN"/>
           </a:p>
@@ -1896,7 +1896,7 @@
           <a:p>
             <a:fld id="{51E03D83-76E9-47BE-9E3E-C113360851A7}" type="datetimeFigureOut">
               <a:rPr lang="vi-VN" smtClean="0"/>
-              <a:t>28/04/2021</a:t>
+              <a:t>16/07/2022</a:t>
             </a:fld>
             <a:endParaRPr lang="vi-VN"/>
           </a:p>
@@ -1991,7 +1991,7 @@
           <a:p>
             <a:fld id="{51E03D83-76E9-47BE-9E3E-C113360851A7}" type="datetimeFigureOut">
               <a:rPr lang="vi-VN" smtClean="0"/>
-              <a:t>28/04/2021</a:t>
+              <a:t>16/07/2022</a:t>
             </a:fld>
             <a:endParaRPr lang="vi-VN"/>
           </a:p>
@@ -2268,7 +2268,7 @@
           <a:p>
             <a:fld id="{51E03D83-76E9-47BE-9E3E-C113360851A7}" type="datetimeFigureOut">
               <a:rPr lang="vi-VN" smtClean="0"/>
-              <a:t>28/04/2021</a:t>
+              <a:t>16/07/2022</a:t>
             </a:fld>
             <a:endParaRPr lang="vi-VN"/>
           </a:p>
@@ -2525,7 +2525,7 @@
           <a:p>
             <a:fld id="{51E03D83-76E9-47BE-9E3E-C113360851A7}" type="datetimeFigureOut">
               <a:rPr lang="vi-VN" smtClean="0"/>
-              <a:t>28/04/2021</a:t>
+              <a:t>16/07/2022</a:t>
             </a:fld>
             <a:endParaRPr lang="vi-VN"/>
           </a:p>
@@ -2743,7 +2743,7 @@
           <a:p>
             <a:fld id="{51E03D83-76E9-47BE-9E3E-C113360851A7}" type="datetimeFigureOut">
               <a:rPr lang="vi-VN" smtClean="0"/>
-              <a:t>28/04/2021</a:t>
+              <a:t>16/07/2022</a:t>
             </a:fld>
             <a:endParaRPr lang="vi-VN"/>
           </a:p>
@@ -3301,6 +3301,78 @@
           </a:p>
         </p:txBody>
       </p:sp>
+      <p:sp>
+        <p:nvSpPr>
+          <p:cNvPr id="3" name="TextBox 2"/>
+          <p:cNvSpPr txBox="1"/>
+          <p:nvPr/>
+        </p:nvSpPr>
+        <p:spPr>
+          <a:xfrm>
+            <a:off x="0" y="5098178"/>
+            <a:ext cx="12192000" cy="769441"/>
+          </a:xfrm>
+          <a:prstGeom prst="rect">
+            <a:avLst/>
+          </a:prstGeom>
+          <a:noFill/>
+        </p:spPr>
+        <p:txBody>
+          <a:bodyPr wrap="square" rtlCol="0">
+            <a:spAutoFit/>
+          </a:bodyPr>
+          <a:lstStyle/>
+          <a:p>
+            <a:pPr algn="ctr"/>
+            <a:r>
+              <a:rPr lang="en-US" sz="4400" b="1" dirty="0" smtClean="0">
+                <a:solidFill>
+                  <a:srgbClr val="000066"/>
+                </a:solidFill>
+                <a:latin typeface="Microsoft JhengHei" panose="020B0604030504040204" pitchFamily="34" charset="-120"/>
+                <a:ea typeface="Microsoft JhengHei" panose="020B0604030504040204" pitchFamily="34" charset="-120"/>
+              </a:rPr>
+              <a:t>( </a:t>
+            </a:r>
+            <a:r>
+              <a:rPr lang="zh-CN" altLang="en-US" sz="4400" b="1" dirty="0" smtClean="0">
+                <a:solidFill>
+                  <a:srgbClr val="000066"/>
+                </a:solidFill>
+                <a:latin typeface="Microsoft JhengHei" panose="020B0604030504040204" pitchFamily="34" charset="-120"/>
+                <a:ea typeface="Microsoft JhengHei" panose="020B0604030504040204" pitchFamily="34" charset="-120"/>
+              </a:rPr>
+              <a:t>副</a:t>
+            </a:r>
+            <a:r>
+              <a:rPr lang="en-US" sz="4400" b="1" dirty="0" smtClean="0">
+                <a:solidFill>
+                  <a:srgbClr val="000066"/>
+                </a:solidFill>
+                <a:latin typeface="Microsoft JhengHei" panose="020B0604030504040204" pitchFamily="34" charset="-120"/>
+                <a:ea typeface="Microsoft JhengHei" panose="020B0604030504040204" pitchFamily="34" charset="-120"/>
+              </a:rPr>
+              <a:t> </a:t>
+            </a:r>
+            <a:r>
+              <a:rPr lang="en-US" sz="4400" b="1" dirty="0" smtClean="0">
+                <a:solidFill>
+                  <a:srgbClr val="000066"/>
+                </a:solidFill>
+                <a:latin typeface="Microsoft JhengHei" panose="020B0604030504040204" pitchFamily="34" charset="-120"/>
+                <a:ea typeface="Microsoft JhengHei" panose="020B0604030504040204" pitchFamily="34" charset="-120"/>
+              </a:rPr>
+              <a:t>)</a:t>
+            </a:r>
+            <a:endParaRPr lang="vi-VN" sz="4400" b="1" dirty="0">
+              <a:solidFill>
+                <a:srgbClr val="000066"/>
+              </a:solidFill>
+              <a:ea typeface="Microsoft JhengHei" panose="020B0604030504040204" pitchFamily="34" charset="-120"/>
+            </a:endParaRPr>
+          </a:p>
+        </p:txBody>
+      </p:sp>
     </p:spTree>
     <p:extLst>
       <p:ext uri="{BB962C8B-B14F-4D97-AF65-F5344CB8AC3E}">
@@ -3428,6 +3500,68 @@
           </a:p>
         </p:txBody>
       </p:sp>
+      <p:sp>
+        <p:nvSpPr>
+          <p:cNvPr id="3" name="TextBox 2"/>
+          <p:cNvSpPr txBox="1"/>
+          <p:nvPr/>
+        </p:nvSpPr>
+        <p:spPr>
+          <a:xfrm>
+            <a:off x="0" y="5098178"/>
+            <a:ext cx="12192000" cy="769441"/>
+          </a:xfrm>
+          <a:prstGeom prst="rect">
+            <a:avLst/>
+          </a:prstGeom>
+          <a:noFill/>
+        </p:spPr>
+        <p:txBody>
+          <a:bodyPr wrap="square" rtlCol="0">
+            <a:spAutoFit/>
+          </a:bodyPr>
+          <a:lstStyle/>
+          <a:p>
+            <a:pPr algn="ctr"/>
+            <a:r>
+              <a:rPr lang="en-US" sz="4400" b="1" dirty="0" smtClean="0">
+                <a:solidFill>
+                  <a:srgbClr val="000066"/>
+                </a:solidFill>
+                <a:latin typeface="Microsoft JhengHei" panose="020B0604030504040204" pitchFamily="34" charset="-120"/>
+                <a:ea typeface="Microsoft JhengHei" panose="020B0604030504040204" pitchFamily="34" charset="-120"/>
+              </a:rPr>
+              <a:t>( </a:t>
+            </a:r>
+            <a:r>
+              <a:rPr lang="zh-CN" altLang="en-US" sz="4400" b="1" dirty="0" smtClean="0">
+                <a:solidFill>
+                  <a:srgbClr val="000066"/>
+                </a:solidFill>
+                <a:latin typeface="Microsoft JhengHei" panose="020B0604030504040204" pitchFamily="34" charset="-120"/>
+                <a:ea typeface="Microsoft JhengHei" panose="020B0604030504040204" pitchFamily="34" charset="-120"/>
+              </a:rPr>
+              <a:t>正</a:t>
+            </a:r>
+            <a:r>
+              <a:rPr lang="en-US" sz="4400" b="1" dirty="0" smtClean="0">
+                <a:solidFill>
+                  <a:srgbClr val="000066"/>
+                </a:solidFill>
+                <a:latin typeface="Microsoft JhengHei" panose="020B0604030504040204" pitchFamily="34" charset="-120"/>
+                <a:ea typeface="Microsoft JhengHei" panose="020B0604030504040204" pitchFamily="34" charset="-120"/>
+              </a:rPr>
+              <a:t> )</a:t>
+            </a:r>
+            <a:endParaRPr lang="vi-VN" sz="4400" b="1" dirty="0">
+              <a:solidFill>
+                <a:srgbClr val="000066"/>
+              </a:solidFill>
+              <a:ea typeface="Microsoft JhengHei" panose="020B0604030504040204" pitchFamily="34" charset="-120"/>
+            </a:endParaRPr>
+          </a:p>
+        </p:txBody>
+      </p:sp>
     </p:spTree>
     <p:extLst>
       <p:ext uri="{BB962C8B-B14F-4D97-AF65-F5344CB8AC3E}">
@@ -3512,6 +3646,68 @@
           </a:p>
         </p:txBody>
       </p:sp>
+      <p:sp>
+        <p:nvSpPr>
+          <p:cNvPr id="3" name="TextBox 2"/>
+          <p:cNvSpPr txBox="1"/>
+          <p:nvPr/>
+        </p:nvSpPr>
+        <p:spPr>
+          <a:xfrm>
+            <a:off x="0" y="5098178"/>
+            <a:ext cx="12192000" cy="769441"/>
+          </a:xfrm>
+          <a:prstGeom prst="rect">
+            <a:avLst/>
+          </a:prstGeom>
+          <a:noFill/>
+        </p:spPr>
+        <p:txBody>
+          <a:bodyPr wrap="square" rtlCol="0">
+            <a:spAutoFit/>
+          </a:bodyPr>
+          <a:lstStyle/>
+          <a:p>
+            <a:pPr algn="ctr"/>
+            <a:r>
+              <a:rPr lang="en-US" sz="4400" b="1" dirty="0" smtClean="0">
+                <a:solidFill>
+                  <a:srgbClr val="000066"/>
+                </a:solidFill>
+                <a:latin typeface="Microsoft JhengHei" panose="020B0604030504040204" pitchFamily="34" charset="-120"/>
+                <a:ea typeface="Microsoft JhengHei" panose="020B0604030504040204" pitchFamily="34" charset="-120"/>
+              </a:rPr>
+              <a:t>( </a:t>
+            </a:r>
+            <a:r>
+              <a:rPr lang="zh-CN" altLang="en-US" sz="4400" b="1" dirty="0" smtClean="0">
+                <a:solidFill>
+                  <a:srgbClr val="000066"/>
+                </a:solidFill>
+                <a:latin typeface="Microsoft JhengHei" panose="020B0604030504040204" pitchFamily="34" charset="-120"/>
+                <a:ea typeface="Microsoft JhengHei" panose="020B0604030504040204" pitchFamily="34" charset="-120"/>
+              </a:rPr>
+              <a:t>正</a:t>
+            </a:r>
+            <a:r>
+              <a:rPr lang="en-US" sz="4400" b="1" dirty="0" smtClean="0">
+                <a:solidFill>
+                  <a:srgbClr val="000066"/>
+                </a:solidFill>
+                <a:latin typeface="Microsoft JhengHei" panose="020B0604030504040204" pitchFamily="34" charset="-120"/>
+                <a:ea typeface="Microsoft JhengHei" panose="020B0604030504040204" pitchFamily="34" charset="-120"/>
+              </a:rPr>
+              <a:t> )</a:t>
+            </a:r>
+            <a:endParaRPr lang="vi-VN" sz="4400" b="1" dirty="0">
+              <a:solidFill>
+                <a:srgbClr val="000066"/>
+              </a:solidFill>
+              <a:ea typeface="Microsoft JhengHei" panose="020B0604030504040204" pitchFamily="34" charset="-120"/>
+            </a:endParaRPr>
+          </a:p>
+        </p:txBody>
+      </p:sp>
     </p:spTree>
     <p:extLst>
       <p:ext uri="{BB962C8B-B14F-4D97-AF65-F5344CB8AC3E}">
@@ -3629,6 +3825,68 @@
           </a:p>
         </p:txBody>
       </p:sp>
+      <p:sp>
+        <p:nvSpPr>
+          <p:cNvPr id="3" name="TextBox 2"/>
+          <p:cNvSpPr txBox="1"/>
+          <p:nvPr/>
+        </p:nvSpPr>
+        <p:spPr>
+          <a:xfrm>
+            <a:off x="0" y="5098178"/>
+            <a:ext cx="12192000" cy="769441"/>
+          </a:xfrm>
+          <a:prstGeom prst="rect">
+            <a:avLst/>
+          </a:prstGeom>
+          <a:noFill/>
+        </p:spPr>
+        <p:txBody>
+          <a:bodyPr wrap="square" rtlCol="0">
+            <a:spAutoFit/>
+          </a:bodyPr>
+          <a:lstStyle/>
+          <a:p>
+            <a:pPr algn="ctr"/>
+            <a:r>
+              <a:rPr lang="en-US" sz="4400" b="1" dirty="0" smtClean="0">
+                <a:solidFill>
+                  <a:srgbClr val="000066"/>
+                </a:solidFill>
+                <a:latin typeface="Microsoft JhengHei" panose="020B0604030504040204" pitchFamily="34" charset="-120"/>
+                <a:ea typeface="Microsoft JhengHei" panose="020B0604030504040204" pitchFamily="34" charset="-120"/>
+              </a:rPr>
+              <a:t>( </a:t>
+            </a:r>
+            <a:r>
+              <a:rPr lang="zh-CN" altLang="en-US" sz="4400" b="1" dirty="0" smtClean="0">
+                <a:solidFill>
+                  <a:srgbClr val="000066"/>
+                </a:solidFill>
+                <a:latin typeface="Microsoft JhengHei" panose="020B0604030504040204" pitchFamily="34" charset="-120"/>
+                <a:ea typeface="Microsoft JhengHei" panose="020B0604030504040204" pitchFamily="34" charset="-120"/>
+              </a:rPr>
+              <a:t>正</a:t>
+            </a:r>
+            <a:r>
+              <a:rPr lang="en-US" sz="4400" b="1" dirty="0" smtClean="0">
+                <a:solidFill>
+                  <a:srgbClr val="000066"/>
+                </a:solidFill>
+                <a:latin typeface="Microsoft JhengHei" panose="020B0604030504040204" pitchFamily="34" charset="-120"/>
+                <a:ea typeface="Microsoft JhengHei" panose="020B0604030504040204" pitchFamily="34" charset="-120"/>
+              </a:rPr>
+              <a:t> )</a:t>
+            </a:r>
+            <a:endParaRPr lang="vi-VN" sz="4400" b="1" dirty="0">
+              <a:solidFill>
+                <a:srgbClr val="000066"/>
+              </a:solidFill>
+              <a:ea typeface="Microsoft JhengHei" panose="020B0604030504040204" pitchFamily="34" charset="-120"/>
+            </a:endParaRPr>
+          </a:p>
+        </p:txBody>
+      </p:sp>
     </p:spTree>
     <p:extLst>
       <p:ext uri="{BB962C8B-B14F-4D97-AF65-F5344CB8AC3E}">
@@ -3714,6 +3972,68 @@
           </a:p>
         </p:txBody>
       </p:sp>
+      <p:sp>
+        <p:nvSpPr>
+          <p:cNvPr id="3" name="TextBox 2"/>
+          <p:cNvSpPr txBox="1"/>
+          <p:nvPr/>
+        </p:nvSpPr>
+        <p:spPr>
+          <a:xfrm>
+            <a:off x="0" y="5098178"/>
+            <a:ext cx="12192000" cy="769441"/>
+          </a:xfrm>
+          <a:prstGeom prst="rect">
+            <a:avLst/>
+          </a:prstGeom>
+          <a:noFill/>
+        </p:spPr>
+        <p:txBody>
+          <a:bodyPr wrap="square" rtlCol="0">
+            <a:spAutoFit/>
+          </a:bodyPr>
+          <a:lstStyle/>
+          <a:p>
+            <a:pPr algn="ctr"/>
+            <a:r>
+              <a:rPr lang="en-US" sz="4400" b="1" dirty="0" smtClean="0">
+                <a:solidFill>
+                  <a:srgbClr val="000066"/>
+                </a:solidFill>
+                <a:latin typeface="Microsoft JhengHei" panose="020B0604030504040204" pitchFamily="34" charset="-120"/>
+                <a:ea typeface="Microsoft JhengHei" panose="020B0604030504040204" pitchFamily="34" charset="-120"/>
+              </a:rPr>
+              <a:t>( </a:t>
+            </a:r>
+            <a:r>
+              <a:rPr lang="zh-CN" altLang="en-US" sz="4400" b="1" dirty="0" smtClean="0">
+                <a:solidFill>
+                  <a:srgbClr val="000066"/>
+                </a:solidFill>
+                <a:latin typeface="Microsoft JhengHei" panose="020B0604030504040204" pitchFamily="34" charset="-120"/>
+                <a:ea typeface="Microsoft JhengHei" panose="020B0604030504040204" pitchFamily="34" charset="-120"/>
+              </a:rPr>
+              <a:t>正</a:t>
+            </a:r>
+            <a:r>
+              <a:rPr lang="en-US" sz="4400" b="1" dirty="0" smtClean="0">
+                <a:solidFill>
+                  <a:srgbClr val="000066"/>
+                </a:solidFill>
+                <a:latin typeface="Microsoft JhengHei" panose="020B0604030504040204" pitchFamily="34" charset="-120"/>
+                <a:ea typeface="Microsoft JhengHei" panose="020B0604030504040204" pitchFamily="34" charset="-120"/>
+              </a:rPr>
+              <a:t> )</a:t>
+            </a:r>
+            <a:endParaRPr lang="vi-VN" sz="4400" b="1" dirty="0">
+              <a:solidFill>
+                <a:srgbClr val="000066"/>
+              </a:solidFill>
+              <a:ea typeface="Microsoft JhengHei" panose="020B0604030504040204" pitchFamily="34" charset="-120"/>
+            </a:endParaRPr>
+          </a:p>
+        </p:txBody>
+      </p:sp>
     </p:spTree>
     <p:extLst>
       <p:ext uri="{BB962C8B-B14F-4D97-AF65-F5344CB8AC3E}">
@@ -3831,6 +4151,78 @@
           </a:p>
         </p:txBody>
       </p:sp>
+      <p:sp>
+        <p:nvSpPr>
+          <p:cNvPr id="3" name="TextBox 2"/>
+          <p:cNvSpPr txBox="1"/>
+          <p:nvPr/>
+        </p:nvSpPr>
+        <p:spPr>
+          <a:xfrm>
+            <a:off x="0" y="5098178"/>
+            <a:ext cx="12192000" cy="769441"/>
+          </a:xfrm>
+          <a:prstGeom prst="rect">
+            <a:avLst/>
+          </a:prstGeom>
+          <a:noFill/>
+        </p:spPr>
+        <p:txBody>
+          <a:bodyPr wrap="square" rtlCol="0">
+            <a:spAutoFit/>
+          </a:bodyPr>
+          <a:lstStyle/>
+          <a:p>
+            <a:pPr algn="ctr"/>
+            <a:r>
+              <a:rPr lang="en-US" sz="4400" b="1" dirty="0" smtClean="0">
+                <a:solidFill>
+                  <a:srgbClr val="000066"/>
+                </a:solidFill>
+                <a:latin typeface="Microsoft JhengHei" panose="020B0604030504040204" pitchFamily="34" charset="-120"/>
+                <a:ea typeface="Microsoft JhengHei" panose="020B0604030504040204" pitchFamily="34" charset="-120"/>
+              </a:rPr>
+              <a:t>( </a:t>
+            </a:r>
+            <a:r>
+              <a:rPr lang="zh-CN" altLang="en-US" sz="4400" b="1" dirty="0" smtClean="0">
+                <a:solidFill>
+                  <a:srgbClr val="000066"/>
+                </a:solidFill>
+                <a:latin typeface="Microsoft JhengHei" panose="020B0604030504040204" pitchFamily="34" charset="-120"/>
+                <a:ea typeface="Microsoft JhengHei" panose="020B0604030504040204" pitchFamily="34" charset="-120"/>
+              </a:rPr>
+              <a:t>前副</a:t>
+            </a:r>
+            <a:r>
+              <a:rPr lang="en-US" sz="4400" b="1" dirty="0" smtClean="0">
+                <a:solidFill>
+                  <a:srgbClr val="000066"/>
+                </a:solidFill>
+                <a:latin typeface="Microsoft JhengHei" panose="020B0604030504040204" pitchFamily="34" charset="-120"/>
+                <a:ea typeface="Microsoft JhengHei" panose="020B0604030504040204" pitchFamily="34" charset="-120"/>
+              </a:rPr>
+              <a:t> </a:t>
+            </a:r>
+            <a:r>
+              <a:rPr lang="en-US" sz="4400" b="1" dirty="0" smtClean="0">
+                <a:solidFill>
+                  <a:srgbClr val="000066"/>
+                </a:solidFill>
+                <a:latin typeface="Microsoft JhengHei" panose="020B0604030504040204" pitchFamily="34" charset="-120"/>
+                <a:ea typeface="Microsoft JhengHei" panose="020B0604030504040204" pitchFamily="34" charset="-120"/>
+              </a:rPr>
+              <a:t>)</a:t>
+            </a:r>
+            <a:endParaRPr lang="vi-VN" sz="4400" b="1" dirty="0">
+              <a:solidFill>
+                <a:srgbClr val="000066"/>
+              </a:solidFill>
+              <a:ea typeface="Microsoft JhengHei" panose="020B0604030504040204" pitchFamily="34" charset="-120"/>
+            </a:endParaRPr>
+          </a:p>
+        </p:txBody>
+      </p:sp>
     </p:spTree>
     <p:extLst>
       <p:ext uri="{BB962C8B-B14F-4D97-AF65-F5344CB8AC3E}">
@@ -3968,6 +4360,78 @@
           </a:p>
         </p:txBody>
       </p:sp>
+      <p:sp>
+        <p:nvSpPr>
+          <p:cNvPr id="3" name="TextBox 2"/>
+          <p:cNvSpPr txBox="1"/>
+          <p:nvPr/>
+        </p:nvSpPr>
+        <p:spPr>
+          <a:xfrm>
+            <a:off x="0" y="5098178"/>
+            <a:ext cx="12192000" cy="769441"/>
+          </a:xfrm>
+          <a:prstGeom prst="rect">
+            <a:avLst/>
+          </a:prstGeom>
+          <a:noFill/>
+        </p:spPr>
+        <p:txBody>
+          <a:bodyPr wrap="square" rtlCol="0">
+            <a:spAutoFit/>
+          </a:bodyPr>
+          <a:lstStyle/>
+          <a:p>
+            <a:pPr algn="ctr"/>
+            <a:r>
+              <a:rPr lang="en-US" sz="4400" b="1" dirty="0" smtClean="0">
+                <a:solidFill>
+                  <a:srgbClr val="000066"/>
+                </a:solidFill>
+                <a:latin typeface="Microsoft JhengHei" panose="020B0604030504040204" pitchFamily="34" charset="-120"/>
+                <a:ea typeface="Microsoft JhengHei" panose="020B0604030504040204" pitchFamily="34" charset="-120"/>
+              </a:rPr>
+              <a:t>( </a:t>
+            </a:r>
+            <a:r>
+              <a:rPr lang="zh-CN" altLang="en-US" sz="4400" b="1" dirty="0" smtClean="0">
+                <a:solidFill>
+                  <a:srgbClr val="000066"/>
+                </a:solidFill>
+                <a:latin typeface="Microsoft JhengHei" panose="020B0604030504040204" pitchFamily="34" charset="-120"/>
+                <a:ea typeface="Microsoft JhengHei" panose="020B0604030504040204" pitchFamily="34" charset="-120"/>
+              </a:rPr>
+              <a:t>副</a:t>
+            </a:r>
+            <a:r>
+              <a:rPr lang="en-US" sz="4400" b="1" dirty="0" smtClean="0">
+                <a:solidFill>
+                  <a:srgbClr val="000066"/>
+                </a:solidFill>
+                <a:latin typeface="Microsoft JhengHei" panose="020B0604030504040204" pitchFamily="34" charset="-120"/>
+                <a:ea typeface="Microsoft JhengHei" panose="020B0604030504040204" pitchFamily="34" charset="-120"/>
+              </a:rPr>
+              <a:t> </a:t>
+            </a:r>
+            <a:r>
+              <a:rPr lang="en-US" sz="4400" b="1" dirty="0" smtClean="0">
+                <a:solidFill>
+                  <a:srgbClr val="000066"/>
+                </a:solidFill>
+                <a:latin typeface="Microsoft JhengHei" panose="020B0604030504040204" pitchFamily="34" charset="-120"/>
+                <a:ea typeface="Microsoft JhengHei" panose="020B0604030504040204" pitchFamily="34" charset="-120"/>
+              </a:rPr>
+              <a:t>)</a:t>
+            </a:r>
+            <a:endParaRPr lang="vi-VN" sz="4400" b="1" dirty="0">
+              <a:solidFill>
+                <a:srgbClr val="000066"/>
+              </a:solidFill>
+              <a:ea typeface="Microsoft JhengHei" panose="020B0604030504040204" pitchFamily="34" charset="-120"/>
+            </a:endParaRPr>
+          </a:p>
+        </p:txBody>
+      </p:sp>
     </p:spTree>
     <p:extLst>
       <p:ext uri="{BB962C8B-B14F-4D97-AF65-F5344CB8AC3E}">
@@ -4075,6 +4539,78 @@
           </a:p>
         </p:txBody>
       </p:sp>
+      <p:sp>
+        <p:nvSpPr>
+          <p:cNvPr id="3" name="TextBox 2"/>
+          <p:cNvSpPr txBox="1"/>
+          <p:nvPr/>
+        </p:nvSpPr>
+        <p:spPr>
+          <a:xfrm>
+            <a:off x="0" y="5098178"/>
+            <a:ext cx="12192000" cy="769441"/>
+          </a:xfrm>
+          <a:prstGeom prst="rect">
+            <a:avLst/>
+          </a:prstGeom>
+          <a:noFill/>
+        </p:spPr>
+        <p:txBody>
+          <a:bodyPr wrap="square" rtlCol="0">
+            <a:spAutoFit/>
+          </a:bodyPr>
+          <a:lstStyle/>
+          <a:p>
+            <a:pPr algn="ctr"/>
+            <a:r>
+              <a:rPr lang="en-US" sz="4400" b="1" dirty="0" smtClean="0">
+                <a:solidFill>
+                  <a:srgbClr val="000066"/>
+                </a:solidFill>
+                <a:latin typeface="Microsoft JhengHei" panose="020B0604030504040204" pitchFamily="34" charset="-120"/>
+                <a:ea typeface="Microsoft JhengHei" panose="020B0604030504040204" pitchFamily="34" charset="-120"/>
+              </a:rPr>
+              <a:t>( </a:t>
+            </a:r>
+            <a:r>
+              <a:rPr lang="zh-CN" altLang="en-US" sz="4400" b="1" dirty="0" smtClean="0">
+                <a:solidFill>
+                  <a:srgbClr val="000066"/>
+                </a:solidFill>
+                <a:latin typeface="Microsoft JhengHei" panose="020B0604030504040204" pitchFamily="34" charset="-120"/>
+                <a:ea typeface="Microsoft JhengHei" panose="020B0604030504040204" pitchFamily="34" charset="-120"/>
+              </a:rPr>
+              <a:t>副</a:t>
+            </a:r>
+            <a:r>
+              <a:rPr lang="en-US" sz="4400" b="1" dirty="0" smtClean="0">
+                <a:solidFill>
+                  <a:srgbClr val="000066"/>
+                </a:solidFill>
+                <a:latin typeface="Microsoft JhengHei" panose="020B0604030504040204" pitchFamily="34" charset="-120"/>
+                <a:ea typeface="Microsoft JhengHei" panose="020B0604030504040204" pitchFamily="34" charset="-120"/>
+              </a:rPr>
+              <a:t> </a:t>
+            </a:r>
+            <a:r>
+              <a:rPr lang="en-US" sz="4400" b="1" dirty="0" smtClean="0">
+                <a:solidFill>
+                  <a:srgbClr val="000066"/>
+                </a:solidFill>
+                <a:latin typeface="Microsoft JhengHei" panose="020B0604030504040204" pitchFamily="34" charset="-120"/>
+                <a:ea typeface="Microsoft JhengHei" panose="020B0604030504040204" pitchFamily="34" charset="-120"/>
+              </a:rPr>
+              <a:t>)</a:t>
+            </a:r>
+            <a:endParaRPr lang="vi-VN" sz="4400" b="1" dirty="0">
+              <a:solidFill>
+                <a:srgbClr val="000066"/>
+              </a:solidFill>
+              <a:ea typeface="Microsoft JhengHei" panose="020B0604030504040204" pitchFamily="34" charset="-120"/>
+            </a:endParaRPr>
+          </a:p>
+        </p:txBody>
+      </p:sp>
     </p:spTree>
     <p:extLst>
       <p:ext uri="{BB962C8B-B14F-4D97-AF65-F5344CB8AC3E}">
@@ -4207,6 +4743,78 @@
                 <a:srgbClr val="000066"/>
               </a:solidFill>
               <a:latin typeface="Microsoft JhengHei" panose="020B0604030504040204" pitchFamily="34" charset="-120"/>
+              <a:ea typeface="Microsoft JhengHei" panose="020B0604030504040204" pitchFamily="34" charset="-120"/>
+            </a:endParaRPr>
+          </a:p>
+        </p:txBody>
+      </p:sp>
+      <p:sp>
+        <p:nvSpPr>
+          <p:cNvPr id="3" name="TextBox 2"/>
+          <p:cNvSpPr txBox="1"/>
+          <p:nvPr/>
+        </p:nvSpPr>
+        <p:spPr>
+          <a:xfrm>
+            <a:off x="0" y="5098178"/>
+            <a:ext cx="12192000" cy="769441"/>
+          </a:xfrm>
+          <a:prstGeom prst="rect">
+            <a:avLst/>
+          </a:prstGeom>
+          <a:noFill/>
+        </p:spPr>
+        <p:txBody>
+          <a:bodyPr wrap="square" rtlCol="0">
+            <a:spAutoFit/>
+          </a:bodyPr>
+          <a:lstStyle/>
+          <a:p>
+            <a:pPr algn="ctr"/>
+            <a:r>
+              <a:rPr lang="en-US" sz="4400" b="1" dirty="0" smtClean="0">
+                <a:solidFill>
+                  <a:srgbClr val="000066"/>
+                </a:solidFill>
+                <a:latin typeface="Microsoft JhengHei" panose="020B0604030504040204" pitchFamily="34" charset="-120"/>
+                <a:ea typeface="Microsoft JhengHei" panose="020B0604030504040204" pitchFamily="34" charset="-120"/>
+              </a:rPr>
+              <a:t>( </a:t>
+            </a:r>
+            <a:r>
+              <a:rPr lang="zh-CN" altLang="en-US" sz="4400" b="1" dirty="0" smtClean="0">
+                <a:solidFill>
+                  <a:srgbClr val="000066"/>
+                </a:solidFill>
+                <a:latin typeface="Microsoft JhengHei" panose="020B0604030504040204" pitchFamily="34" charset="-120"/>
+                <a:ea typeface="Microsoft JhengHei" panose="020B0604030504040204" pitchFamily="34" charset="-120"/>
+              </a:rPr>
+              <a:t>副</a:t>
+            </a:r>
+            <a:r>
+              <a:rPr lang="en-US" sz="4400" b="1" dirty="0" smtClean="0">
+                <a:solidFill>
+                  <a:srgbClr val="000066"/>
+                </a:solidFill>
+                <a:latin typeface="Microsoft JhengHei" panose="020B0604030504040204" pitchFamily="34" charset="-120"/>
+                <a:ea typeface="Microsoft JhengHei" panose="020B0604030504040204" pitchFamily="34" charset="-120"/>
+              </a:rPr>
+              <a:t> </a:t>
+            </a:r>
+            <a:r>
+              <a:rPr lang="en-US" sz="4400" b="1" dirty="0" smtClean="0">
+                <a:solidFill>
+                  <a:srgbClr val="000066"/>
+                </a:solidFill>
+                <a:latin typeface="Microsoft JhengHei" panose="020B0604030504040204" pitchFamily="34" charset="-120"/>
+                <a:ea typeface="Microsoft JhengHei" panose="020B0604030504040204" pitchFamily="34" charset="-120"/>
+              </a:rPr>
+              <a:t>)</a:t>
+            </a:r>
+            <a:endParaRPr lang="vi-VN" sz="4400" b="1" dirty="0">
+              <a:solidFill>
+                <a:srgbClr val="000066"/>
+              </a:solidFill>
               <a:ea typeface="Microsoft JhengHei" panose="020B0604030504040204" pitchFamily="34" charset="-120"/>
             </a:endParaRPr>
           </a:p>

--- a/主你永遠與我同在.pptx
+++ b/主你永遠與我同在.pptx
@@ -302,7 +302,7 @@
           <a:p>
             <a:fld id="{51E03D83-76E9-47BE-9E3E-C113360851A7}" type="datetimeFigureOut">
               <a:rPr lang="vi-VN" smtClean="0"/>
-              <a:t>16/07/2022</a:t>
+              <a:t>05/08/2023</a:t>
             </a:fld>
             <a:endParaRPr lang="vi-VN"/>
           </a:p>
@@ -472,7 +472,7 @@
           <a:p>
             <a:fld id="{51E03D83-76E9-47BE-9E3E-C113360851A7}" type="datetimeFigureOut">
               <a:rPr lang="vi-VN" smtClean="0"/>
-              <a:t>16/07/2022</a:t>
+              <a:t>05/08/2023</a:t>
             </a:fld>
             <a:endParaRPr lang="vi-VN"/>
           </a:p>
@@ -652,7 +652,7 @@
           <a:p>
             <a:fld id="{51E03D83-76E9-47BE-9E3E-C113360851A7}" type="datetimeFigureOut">
               <a:rPr lang="vi-VN" smtClean="0"/>
-              <a:t>16/07/2022</a:t>
+              <a:t>05/08/2023</a:t>
             </a:fld>
             <a:endParaRPr lang="vi-VN"/>
           </a:p>
@@ -822,7 +822,7 @@
           <a:p>
             <a:fld id="{51E03D83-76E9-47BE-9E3E-C113360851A7}" type="datetimeFigureOut">
               <a:rPr lang="vi-VN" smtClean="0"/>
-              <a:t>16/07/2022</a:t>
+              <a:t>05/08/2023</a:t>
             </a:fld>
             <a:endParaRPr lang="vi-VN"/>
           </a:p>
@@ -1068,7 +1068,7 @@
           <a:p>
             <a:fld id="{51E03D83-76E9-47BE-9E3E-C113360851A7}" type="datetimeFigureOut">
               <a:rPr lang="vi-VN" smtClean="0"/>
-              <a:t>16/07/2022</a:t>
+              <a:t>05/08/2023</a:t>
             </a:fld>
             <a:endParaRPr lang="vi-VN"/>
           </a:p>
@@ -1356,7 +1356,7 @@
           <a:p>
             <a:fld id="{51E03D83-76E9-47BE-9E3E-C113360851A7}" type="datetimeFigureOut">
               <a:rPr lang="vi-VN" smtClean="0"/>
-              <a:t>16/07/2022</a:t>
+              <a:t>05/08/2023</a:t>
             </a:fld>
             <a:endParaRPr lang="vi-VN"/>
           </a:p>
@@ -1778,7 +1778,7 @@
           <a:p>
             <a:fld id="{51E03D83-76E9-47BE-9E3E-C113360851A7}" type="datetimeFigureOut">
               <a:rPr lang="vi-VN" smtClean="0"/>
-              <a:t>16/07/2022</a:t>
+              <a:t>05/08/2023</a:t>
             </a:fld>
             <a:endParaRPr lang="vi-VN"/>
           </a:p>
@@ -1896,7 +1896,7 @@
           <a:p>
             <a:fld id="{51E03D83-76E9-47BE-9E3E-C113360851A7}" type="datetimeFigureOut">
               <a:rPr lang="vi-VN" smtClean="0"/>
-              <a:t>16/07/2022</a:t>
+              <a:t>05/08/2023</a:t>
             </a:fld>
             <a:endParaRPr lang="vi-VN"/>
           </a:p>
@@ -1991,7 +1991,7 @@
           <a:p>
             <a:fld id="{51E03D83-76E9-47BE-9E3E-C113360851A7}" type="datetimeFigureOut">
               <a:rPr lang="vi-VN" smtClean="0"/>
-              <a:t>16/07/2022</a:t>
+              <a:t>05/08/2023</a:t>
             </a:fld>
             <a:endParaRPr lang="vi-VN"/>
           </a:p>
@@ -2268,7 +2268,7 @@
           <a:p>
             <a:fld id="{51E03D83-76E9-47BE-9E3E-C113360851A7}" type="datetimeFigureOut">
               <a:rPr lang="vi-VN" smtClean="0"/>
-              <a:t>16/07/2022</a:t>
+              <a:t>05/08/2023</a:t>
             </a:fld>
             <a:endParaRPr lang="vi-VN"/>
           </a:p>
@@ -2525,7 +2525,7 @@
           <a:p>
             <a:fld id="{51E03D83-76E9-47BE-9E3E-C113360851A7}" type="datetimeFigureOut">
               <a:rPr lang="vi-VN" smtClean="0"/>
-              <a:t>16/07/2022</a:t>
+              <a:t>05/08/2023</a:t>
             </a:fld>
             <a:endParaRPr lang="vi-VN"/>
           </a:p>
@@ -2743,7 +2743,7 @@
           <a:p>
             <a:fld id="{51E03D83-76E9-47BE-9E3E-C113360851A7}" type="datetimeFigureOut">
               <a:rPr lang="vi-VN" smtClean="0"/>
-              <a:t>16/07/2022</a:t>
+              <a:t>05/08/2023</a:t>
             </a:fld>
             <a:endParaRPr lang="vi-VN"/>
           </a:p>
@@ -3141,7 +3141,7 @@
           <a:lstStyle/>
           <a:p>
             <a:r>
-              <a:rPr lang="zh-TW" altLang="en-US" sz="7200" b="1" i="1" dirty="0">
+              <a:rPr lang="zh-TW" altLang="en-US" sz="7200" b="1" i="1" dirty="0" smtClean="0">
                 <a:solidFill>
                   <a:srgbClr val="000066"/>
                 </a:solidFill>
@@ -3158,7 +3158,7 @@
               <a:t>主</a:t>
             </a:r>
             <a:r>
-              <a:rPr lang="zh-CN" altLang="en-US" sz="7200" b="1" i="1" dirty="0">
+              <a:rPr lang="zh-CN" altLang="en-US" sz="7200" b="1" i="1" dirty="0" smtClean="0">
                 <a:solidFill>
                   <a:srgbClr val="000066"/>
                 </a:solidFill>
@@ -3172,10 +3172,10 @@
                 <a:latin typeface="微軟正黑體" pitchFamily="34" charset="-120"/>
                 <a:ea typeface="微軟正黑體" pitchFamily="34" charset="-120"/>
               </a:rPr>
-              <a:t>袮</a:t>
-            </a:r>
-            <a:r>
-              <a:rPr lang="zh-TW" altLang="en-US" sz="7200" b="1" i="1" dirty="0">
+              <a:t>祢</a:t>
+            </a:r>
+            <a:r>
+              <a:rPr lang="zh-TW" altLang="en-US" sz="7200" b="1" i="1" dirty="0" smtClean="0">
                 <a:solidFill>
                   <a:srgbClr val="000066"/>
                 </a:solidFill>
@@ -3189,7 +3189,24 @@
                 <a:latin typeface="微軟正黑體" pitchFamily="34" charset="-120"/>
                 <a:ea typeface="微軟正黑體" pitchFamily="34" charset="-120"/>
               </a:rPr>
-              <a:t>永遠與我同在</a:t>
+              <a:t>永</a:t>
+            </a:r>
+            <a:r>
+              <a:rPr lang="zh-TW" altLang="en-US" sz="7200" b="1" i="1" dirty="0">
+                <a:solidFill>
+                  <a:srgbClr val="000066"/>
+                </a:solidFill>
+                <a:effectLst>
+                  <a:outerShdw blurRad="38100" dist="38100" dir="2700000" algn="tl">
+                    <a:srgbClr val="000000">
+                      <a:alpha val="43137"/>
+                    </a:srgbClr>
+                  </a:outerShdw>
+                </a:effectLst>
+                <a:latin typeface="微軟正黑體" pitchFamily="34" charset="-120"/>
+                <a:ea typeface="微軟正黑體" pitchFamily="34" charset="-120"/>
+              </a:rPr>
+              <a:t>遠與我同在</a:t>
             </a:r>
           </a:p>
         </p:txBody>
@@ -3279,17 +3296,27 @@
                 <a:latin typeface="Microsoft JhengHei" panose="020B0604030504040204" pitchFamily="34" charset="-120"/>
                 <a:ea typeface="Microsoft JhengHei" panose="020B0604030504040204" pitchFamily="34" charset="-120"/>
               </a:rPr>
-              <a:t>我敬拜</a:t>
-            </a:r>
-            <a:r>
-              <a:rPr lang="zh-CN" altLang="en-US" sz="6400" b="1" dirty="0">
-                <a:solidFill>
-                  <a:srgbClr val="000066"/>
-                </a:solidFill>
-                <a:latin typeface="Microsoft JhengHei" panose="020B0604030504040204" pitchFamily="34" charset="-120"/>
-                <a:ea typeface="Microsoft JhengHei" panose="020B0604030504040204" pitchFamily="34" charset="-120"/>
-              </a:rPr>
-              <a:t>袮</a:t>
+              <a:t>我敬</a:t>
+            </a:r>
+            <a:r>
+              <a:rPr lang="zh-TW" altLang="en-US" sz="6400" b="1" dirty="0" smtClean="0">
+                <a:solidFill>
+                  <a:srgbClr val="000066"/>
+                </a:solidFill>
+                <a:latin typeface="Microsoft JhengHei" panose="020B0604030504040204" pitchFamily="34" charset="-120"/>
+                <a:ea typeface="Microsoft JhengHei" panose="020B0604030504040204" pitchFamily="34" charset="-120"/>
+              </a:rPr>
+              <a:t>拜</a:t>
+            </a:r>
+            <a:r>
+              <a:rPr lang="zh-CN" altLang="en-US" sz="6400" b="1" dirty="0" smtClean="0">
+                <a:solidFill>
+                  <a:srgbClr val="000066"/>
+                </a:solidFill>
+                <a:latin typeface="Microsoft JhengHei" panose="020B0604030504040204" pitchFamily="34" charset="-120"/>
+                <a:ea typeface="Microsoft JhengHei" panose="020B0604030504040204" pitchFamily="34" charset="-120"/>
+              </a:rPr>
+              <a:t>祢</a:t>
             </a:r>
             <a:endParaRPr lang="vi-VN" sz="6400" b="1" dirty="0">
               <a:solidFill>
@@ -3352,17 +3379,7 @@
                 <a:latin typeface="Microsoft JhengHei" panose="020B0604030504040204" pitchFamily="34" charset="-120"/>
                 <a:ea typeface="Microsoft JhengHei" panose="020B0604030504040204" pitchFamily="34" charset="-120"/>
               </a:rPr>
-              <a:t> </a:t>
-            </a:r>
-            <a:r>
-              <a:rPr lang="en-US" sz="4400" b="1" dirty="0" smtClean="0">
-                <a:solidFill>
-                  <a:srgbClr val="000066"/>
-                </a:solidFill>
-                <a:latin typeface="Microsoft JhengHei" panose="020B0604030504040204" pitchFamily="34" charset="-120"/>
-                <a:ea typeface="Microsoft JhengHei" panose="020B0604030504040204" pitchFamily="34" charset="-120"/>
-              </a:rPr>
-              <a:t>)</a:t>
+              <a:t> )</a:t>
             </a:r>
             <a:endParaRPr lang="vi-VN" sz="4400" b="1" dirty="0">
               <a:solidFill>
@@ -3436,17 +3453,27 @@
                 <a:latin typeface="Microsoft JhengHei" panose="020B0604030504040204" pitchFamily="34" charset="-120"/>
                 <a:ea typeface="Microsoft JhengHei" panose="020B0604030504040204" pitchFamily="34" charset="-120"/>
               </a:rPr>
-              <a:t>危難臨到我信靠</a:t>
-            </a:r>
-            <a:r>
-              <a:rPr lang="zh-CN" altLang="en-US" sz="6400" b="1" dirty="0">
-                <a:solidFill>
-                  <a:srgbClr val="000066"/>
-                </a:solidFill>
-                <a:latin typeface="Microsoft JhengHei" panose="020B0604030504040204" pitchFamily="34" charset="-120"/>
-                <a:ea typeface="Microsoft JhengHei" panose="020B0604030504040204" pitchFamily="34" charset="-120"/>
-              </a:rPr>
-              <a:t>袮</a:t>
+              <a:t>危難臨到我信</a:t>
+            </a:r>
+            <a:r>
+              <a:rPr lang="zh-TW" altLang="en-US" sz="6400" b="1" dirty="0" smtClean="0">
+                <a:solidFill>
+                  <a:srgbClr val="000066"/>
+                </a:solidFill>
+                <a:latin typeface="Microsoft JhengHei" panose="020B0604030504040204" pitchFamily="34" charset="-120"/>
+                <a:ea typeface="Microsoft JhengHei" panose="020B0604030504040204" pitchFamily="34" charset="-120"/>
+              </a:rPr>
+              <a:t>靠</a:t>
+            </a:r>
+            <a:r>
+              <a:rPr lang="zh-CN" altLang="en-US" sz="6400" b="1" dirty="0" smtClean="0">
+                <a:solidFill>
+                  <a:srgbClr val="000066"/>
+                </a:solidFill>
+                <a:latin typeface="Microsoft JhengHei" panose="020B0604030504040204" pitchFamily="34" charset="-120"/>
+                <a:ea typeface="Microsoft JhengHei" panose="020B0604030504040204" pitchFamily="34" charset="-120"/>
+              </a:rPr>
+              <a:t>祢</a:t>
             </a:r>
             <a:endParaRPr lang="en-US" altLang="zh-TW" sz="6400" b="1" dirty="0">
               <a:solidFill>
@@ -3468,17 +3495,37 @@
                 <a:latin typeface="Microsoft JhengHei" panose="020B0604030504040204" pitchFamily="34" charset="-120"/>
                 <a:ea typeface="Microsoft JhengHei" panose="020B0604030504040204" pitchFamily="34" charset="-120"/>
               </a:rPr>
-              <a:t>深知</a:t>
-            </a:r>
-            <a:r>
-              <a:rPr lang="zh-CN" altLang="en-US" sz="6400" b="1" dirty="0">
-                <a:solidFill>
-                  <a:srgbClr val="000066"/>
-                </a:solidFill>
-                <a:latin typeface="Microsoft JhengHei" panose="020B0604030504040204" pitchFamily="34" charset="-120"/>
-                <a:ea typeface="Microsoft JhengHei" panose="020B0604030504040204" pitchFamily="34" charset="-120"/>
-              </a:rPr>
-              <a:t>袮</a:t>
+              <a:t>深</a:t>
+            </a:r>
+            <a:r>
+              <a:rPr lang="zh-TW" altLang="en-US" sz="6400" b="1" dirty="0" smtClean="0">
+                <a:solidFill>
+                  <a:srgbClr val="000066"/>
+                </a:solidFill>
+                <a:latin typeface="Microsoft JhengHei" panose="020B0604030504040204" pitchFamily="34" charset="-120"/>
+                <a:ea typeface="Microsoft JhengHei" panose="020B0604030504040204" pitchFamily="34" charset="-120"/>
+              </a:rPr>
+              <a:t>知</a:t>
+            </a:r>
+            <a:r>
+              <a:rPr lang="zh-CN" altLang="en-US" sz="6400" b="1" dirty="0" smtClean="0">
+                <a:solidFill>
+                  <a:srgbClr val="000066"/>
+                </a:solidFill>
+                <a:latin typeface="Microsoft JhengHei" panose="020B0604030504040204" pitchFamily="34" charset="-120"/>
+                <a:ea typeface="Microsoft JhengHei" panose="020B0604030504040204" pitchFamily="34" charset="-120"/>
+              </a:rPr>
+              <a:t>祢</a:t>
+            </a:r>
+            <a:r>
+              <a:rPr lang="zh-TW" altLang="en-US" sz="6400" b="1" dirty="0" smtClean="0">
+                <a:solidFill>
+                  <a:srgbClr val="000066"/>
+                </a:solidFill>
+                <a:latin typeface="Microsoft JhengHei" panose="020B0604030504040204" pitchFamily="34" charset="-120"/>
+                <a:ea typeface="Microsoft JhengHei" panose="020B0604030504040204" pitchFamily="34" charset="-120"/>
+              </a:rPr>
+              <a:t>必</a:t>
             </a:r>
             <a:r>
               <a:rPr lang="zh-TW" altLang="en-US" sz="6400" b="1" dirty="0">
@@ -3488,7 +3535,7 @@
                 <a:latin typeface="Microsoft JhengHei" panose="020B0604030504040204" pitchFamily="34" charset="-120"/>
                 <a:ea typeface="Microsoft JhengHei" panose="020B0604030504040204" pitchFamily="34" charset="-120"/>
               </a:rPr>
-              <a:t>必領我度過</a:t>
+              <a:t>領我度過</a:t>
             </a:r>
             <a:endParaRPr lang="en-US" altLang="zh-TW" sz="6400" b="1" dirty="0">
               <a:solidFill>
@@ -3618,14 +3665,24 @@
               <a:buNone/>
             </a:pPr>
             <a:r>
-              <a:rPr lang="zh-CN" altLang="en-US" sz="6400" b="1" dirty="0">
-                <a:solidFill>
-                  <a:srgbClr val="000066"/>
-                </a:solidFill>
-                <a:latin typeface="Microsoft JhengHei" panose="020B0604030504040204" pitchFamily="34" charset="-120"/>
-                <a:ea typeface="Microsoft JhengHei" panose="020B0604030504040204" pitchFamily="34" charset="-120"/>
-              </a:rPr>
-              <a:t>袮</a:t>
+              <a:rPr lang="zh-CN" altLang="en-US" sz="6400" b="1" dirty="0" smtClean="0">
+                <a:solidFill>
+                  <a:srgbClr val="000066"/>
+                </a:solidFill>
+                <a:latin typeface="Microsoft JhengHei" panose="020B0604030504040204" pitchFamily="34" charset="-120"/>
+                <a:ea typeface="Microsoft JhengHei" panose="020B0604030504040204" pitchFamily="34" charset="-120"/>
+              </a:rPr>
+              <a:t>祢</a:t>
+            </a:r>
+            <a:r>
+              <a:rPr lang="zh-TW" altLang="en-US" sz="6400" b="1" dirty="0" smtClean="0">
+                <a:solidFill>
+                  <a:srgbClr val="000066"/>
+                </a:solidFill>
+                <a:latin typeface="Microsoft JhengHei" panose="020B0604030504040204" pitchFamily="34" charset="-120"/>
+                <a:ea typeface="Microsoft JhengHei" panose="020B0604030504040204" pitchFamily="34" charset="-120"/>
+              </a:rPr>
+              <a:t>信</a:t>
             </a:r>
             <a:r>
               <a:rPr lang="zh-TW" altLang="en-US" sz="6400" b="1" dirty="0">
@@ -3635,7 +3692,7 @@
                 <a:latin typeface="Microsoft JhengHei" panose="020B0604030504040204" pitchFamily="34" charset="-120"/>
                 <a:ea typeface="Microsoft JhengHei" panose="020B0604030504040204" pitchFamily="34" charset="-120"/>
               </a:rPr>
-              <a:t>信實為我堅持  到最後</a:t>
+              <a:t>實為我堅持  到最後</a:t>
             </a:r>
             <a:endParaRPr lang="vi-VN" sz="6400" b="1" dirty="0">
               <a:solidFill>
@@ -3786,6 +3843,36 @@
               <a:buNone/>
             </a:pPr>
             <a:r>
+              <a:rPr lang="zh-TW" altLang="en-US" sz="6400" b="1" dirty="0" smtClean="0">
+                <a:solidFill>
+                  <a:srgbClr val="000066"/>
+                </a:solidFill>
+                <a:latin typeface="Microsoft JhengHei" panose="020B0604030504040204" pitchFamily="34" charset="-120"/>
+                <a:ea typeface="Microsoft JhengHei" panose="020B0604030504040204" pitchFamily="34" charset="-120"/>
+              </a:rPr>
+              <a:t>有</a:t>
+            </a:r>
+            <a:r>
+              <a:rPr lang="zh-CN" altLang="en-US" sz="6400" b="1" dirty="0" smtClean="0">
+                <a:solidFill>
+                  <a:srgbClr val="000066"/>
+                </a:solidFill>
+                <a:latin typeface="Microsoft JhengHei" panose="020B0604030504040204" pitchFamily="34" charset="-120"/>
+                <a:ea typeface="Microsoft JhengHei" panose="020B0604030504040204" pitchFamily="34" charset="-120"/>
+              </a:rPr>
+              <a:t>祢</a:t>
+            </a:r>
+            <a:r>
+              <a:rPr lang="zh-TW" altLang="en-US" sz="6400" b="1" dirty="0" smtClean="0">
+                <a:solidFill>
+                  <a:srgbClr val="000066"/>
+                </a:solidFill>
+                <a:latin typeface="Microsoft JhengHei" panose="020B0604030504040204" pitchFamily="34" charset="-120"/>
+                <a:ea typeface="Microsoft JhengHei" panose="020B0604030504040204" pitchFamily="34" charset="-120"/>
+              </a:rPr>
+              <a:t>同</a:t>
+            </a:r>
+            <a:r>
               <a:rPr lang="zh-TW" altLang="en-US" sz="6400" b="1" dirty="0">
                 <a:solidFill>
                   <a:srgbClr val="000066"/>
@@ -3793,27 +3880,7 @@
                 <a:latin typeface="Microsoft JhengHei" panose="020B0604030504040204" pitchFamily="34" charset="-120"/>
                 <a:ea typeface="Microsoft JhengHei" panose="020B0604030504040204" pitchFamily="34" charset="-120"/>
               </a:rPr>
-              <a:t>有</a:t>
-            </a:r>
-            <a:r>
-              <a:rPr lang="zh-CN" altLang="en-US" sz="6400" b="1" dirty="0">
-                <a:solidFill>
-                  <a:srgbClr val="000066"/>
-                </a:solidFill>
-                <a:latin typeface="Microsoft JhengHei" panose="020B0604030504040204" pitchFamily="34" charset="-120"/>
-                <a:ea typeface="Microsoft JhengHei" panose="020B0604030504040204" pitchFamily="34" charset="-120"/>
-              </a:rPr>
-              <a:t>袮</a:t>
-            </a:r>
-            <a:r>
-              <a:rPr lang="zh-TW" altLang="en-US" sz="6400" b="1" dirty="0">
-                <a:solidFill>
-                  <a:srgbClr val="000066"/>
-                </a:solidFill>
-                <a:latin typeface="Microsoft JhengHei" panose="020B0604030504040204" pitchFamily="34" charset="-120"/>
-                <a:ea typeface="Microsoft JhengHei" panose="020B0604030504040204" pitchFamily="34" charset="-120"/>
-              </a:rPr>
-              <a:t>同在我不至畏懼</a:t>
+              <a:t>在我不至畏懼</a:t>
             </a:r>
             <a:endParaRPr lang="en-US" altLang="zh-TW" sz="6400" b="1" dirty="0">
               <a:solidFill>
@@ -3943,14 +4010,24 @@
               <a:buNone/>
             </a:pPr>
             <a:r>
-              <a:rPr lang="zh-CN" altLang="en-US" sz="6400" b="1" dirty="0">
-                <a:solidFill>
-                  <a:srgbClr val="000066"/>
-                </a:solidFill>
-                <a:latin typeface="Microsoft JhengHei" panose="020B0604030504040204" pitchFamily="34" charset="-120"/>
-                <a:ea typeface="Microsoft JhengHei" panose="020B0604030504040204" pitchFamily="34" charset="-120"/>
-              </a:rPr>
-              <a:t>袮</a:t>
+              <a:rPr lang="zh-CN" altLang="en-US" sz="6400" b="1" dirty="0" smtClean="0">
+                <a:solidFill>
+                  <a:srgbClr val="000066"/>
+                </a:solidFill>
+                <a:latin typeface="Microsoft JhengHei" panose="020B0604030504040204" pitchFamily="34" charset="-120"/>
+                <a:ea typeface="Microsoft JhengHei" panose="020B0604030504040204" pitchFamily="34" charset="-120"/>
+              </a:rPr>
+              <a:t>祢</a:t>
+            </a:r>
+            <a:r>
+              <a:rPr lang="zh-TW" altLang="en-US" sz="6400" b="1" dirty="0" smtClean="0">
+                <a:solidFill>
+                  <a:srgbClr val="000066"/>
+                </a:solidFill>
+                <a:latin typeface="Microsoft JhengHei" panose="020B0604030504040204" pitchFamily="34" charset="-120"/>
+                <a:ea typeface="Microsoft JhengHei" panose="020B0604030504040204" pitchFamily="34" charset="-120"/>
+              </a:rPr>
+              <a:t>是</a:t>
             </a:r>
             <a:r>
               <a:rPr lang="zh-TW" altLang="en-US" sz="6400" b="1" dirty="0">
@@ -3960,7 +4037,7 @@
                 <a:latin typeface="Microsoft JhengHei" panose="020B0604030504040204" pitchFamily="34" charset="-120"/>
                 <a:ea typeface="Microsoft JhengHei" panose="020B0604030504040204" pitchFamily="34" charset="-120"/>
               </a:rPr>
-              <a:t>是我的牧者我所倚靠</a:t>
+              <a:t>我的牧者我所倚靠</a:t>
             </a:r>
             <a:endParaRPr lang="en-US" altLang="zh-TW" sz="6400" b="1" dirty="0">
               <a:solidFill>
@@ -4119,17 +4196,37 @@
                 <a:latin typeface="Microsoft JhengHei" panose="020B0604030504040204" pitchFamily="34" charset="-120"/>
                 <a:ea typeface="Microsoft JhengHei" panose="020B0604030504040204" pitchFamily="34" charset="-120"/>
               </a:rPr>
-              <a:t>我知</a:t>
-            </a:r>
-            <a:r>
-              <a:rPr lang="zh-CN" altLang="en-US" sz="6400" b="1" dirty="0">
-                <a:solidFill>
-                  <a:srgbClr val="000066"/>
-                </a:solidFill>
-                <a:latin typeface="Microsoft JhengHei" panose="020B0604030504040204" pitchFamily="34" charset="-120"/>
-                <a:ea typeface="Microsoft JhengHei" panose="020B0604030504040204" pitchFamily="34" charset="-120"/>
-              </a:rPr>
-              <a:t>袮</a:t>
+              <a:t>我</a:t>
+            </a:r>
+            <a:r>
+              <a:rPr lang="zh-TW" altLang="en-US" sz="6400" b="1" dirty="0" smtClean="0">
+                <a:solidFill>
+                  <a:srgbClr val="000066"/>
+                </a:solidFill>
+                <a:latin typeface="Microsoft JhengHei" panose="020B0604030504040204" pitchFamily="34" charset="-120"/>
+                <a:ea typeface="Microsoft JhengHei" panose="020B0604030504040204" pitchFamily="34" charset="-120"/>
+              </a:rPr>
+              <a:t>知</a:t>
+            </a:r>
+            <a:r>
+              <a:rPr lang="zh-CN" altLang="en-US" sz="6400" b="1" dirty="0" smtClean="0">
+                <a:solidFill>
+                  <a:srgbClr val="000066"/>
+                </a:solidFill>
+                <a:latin typeface="Microsoft JhengHei" panose="020B0604030504040204" pitchFamily="34" charset="-120"/>
+                <a:ea typeface="Microsoft JhengHei" panose="020B0604030504040204" pitchFamily="34" charset="-120"/>
+              </a:rPr>
+              <a:t>祢</a:t>
+            </a:r>
+            <a:r>
+              <a:rPr lang="zh-TW" altLang="en-US" sz="6400" b="1" dirty="0" smtClean="0">
+                <a:solidFill>
+                  <a:srgbClr val="000066"/>
+                </a:solidFill>
+                <a:latin typeface="Microsoft JhengHei" panose="020B0604030504040204" pitchFamily="34" charset="-120"/>
+                <a:ea typeface="Microsoft JhengHei" panose="020B0604030504040204" pitchFamily="34" charset="-120"/>
+              </a:rPr>
+              <a:t>永</a:t>
             </a:r>
             <a:r>
               <a:rPr lang="zh-TW" altLang="en-US" sz="6400" b="1" dirty="0">
@@ -4139,7 +4236,7 @@
                 <a:latin typeface="Microsoft JhengHei" panose="020B0604030504040204" pitchFamily="34" charset="-120"/>
                 <a:ea typeface="Microsoft JhengHei" panose="020B0604030504040204" pitchFamily="34" charset="-120"/>
               </a:rPr>
-              <a:t>永遠在身邊</a:t>
+              <a:t>遠在身邊</a:t>
             </a:r>
             <a:endParaRPr lang="vi-VN" sz="6400" b="1" dirty="0">
               <a:solidFill>
@@ -4202,17 +4299,7 @@
                 <a:latin typeface="Microsoft JhengHei" panose="020B0604030504040204" pitchFamily="34" charset="-120"/>
                 <a:ea typeface="Microsoft JhengHei" panose="020B0604030504040204" pitchFamily="34" charset="-120"/>
               </a:rPr>
-              <a:t> </a:t>
-            </a:r>
-            <a:r>
-              <a:rPr lang="en-US" sz="4400" b="1" dirty="0" smtClean="0">
-                <a:solidFill>
-                  <a:srgbClr val="000066"/>
-                </a:solidFill>
-                <a:latin typeface="Microsoft JhengHei" panose="020B0604030504040204" pitchFamily="34" charset="-120"/>
-                <a:ea typeface="Microsoft JhengHei" panose="020B0604030504040204" pitchFamily="34" charset="-120"/>
-              </a:rPr>
-              <a:t>)</a:t>
+              <a:t> )</a:t>
             </a:r>
             <a:endParaRPr lang="vi-VN" sz="4400" b="1" dirty="0">
               <a:solidFill>
@@ -4279,6 +4366,36 @@
               <a:buNone/>
             </a:pPr>
             <a:r>
+              <a:rPr lang="zh-TW" altLang="en-US" sz="6400" b="1" dirty="0" smtClean="0">
+                <a:solidFill>
+                  <a:srgbClr val="000066"/>
+                </a:solidFill>
+                <a:latin typeface="Microsoft JhengHei" panose="020B0604030504040204" pitchFamily="34" charset="-120"/>
+                <a:ea typeface="Microsoft JhengHei" panose="020B0604030504040204" pitchFamily="34" charset="-120"/>
+              </a:rPr>
+              <a:t>主</a:t>
+            </a:r>
+            <a:r>
+              <a:rPr lang="zh-CN" altLang="en-US" sz="6400" b="1" dirty="0" smtClean="0">
+                <a:solidFill>
+                  <a:srgbClr val="000066"/>
+                </a:solidFill>
+                <a:latin typeface="Microsoft JhengHei" panose="020B0604030504040204" pitchFamily="34" charset="-120"/>
+                <a:ea typeface="Microsoft JhengHei" panose="020B0604030504040204" pitchFamily="34" charset="-120"/>
+              </a:rPr>
+              <a:t>祢</a:t>
+            </a:r>
+            <a:r>
+              <a:rPr lang="zh-TW" altLang="en-US" sz="6400" b="1" dirty="0" smtClean="0">
+                <a:solidFill>
+                  <a:srgbClr val="000066"/>
+                </a:solidFill>
+                <a:latin typeface="Microsoft JhengHei" panose="020B0604030504040204" pitchFamily="34" charset="-120"/>
+                <a:ea typeface="Microsoft JhengHei" panose="020B0604030504040204" pitchFamily="34" charset="-120"/>
+              </a:rPr>
+              <a:t>永</a:t>
+            </a:r>
+            <a:r>
               <a:rPr lang="zh-TW" altLang="en-US" sz="6400" b="1" dirty="0">
                 <a:solidFill>
                   <a:srgbClr val="000066"/>
@@ -4286,27 +4403,7 @@
                 <a:latin typeface="Microsoft JhengHei" panose="020B0604030504040204" pitchFamily="34" charset="-120"/>
                 <a:ea typeface="Microsoft JhengHei" panose="020B0604030504040204" pitchFamily="34" charset="-120"/>
               </a:rPr>
-              <a:t>主</a:t>
-            </a:r>
-            <a:r>
-              <a:rPr lang="zh-CN" altLang="en-US" sz="6400" b="1" dirty="0">
-                <a:solidFill>
-                  <a:srgbClr val="000066"/>
-                </a:solidFill>
-                <a:latin typeface="Microsoft JhengHei" panose="020B0604030504040204" pitchFamily="34" charset="-120"/>
-                <a:ea typeface="Microsoft JhengHei" panose="020B0604030504040204" pitchFamily="34" charset="-120"/>
-              </a:rPr>
-              <a:t>袮</a:t>
-            </a:r>
-            <a:r>
-              <a:rPr lang="zh-TW" altLang="en-US" sz="6400" b="1" dirty="0">
-                <a:solidFill>
-                  <a:srgbClr val="000066"/>
-                </a:solidFill>
-                <a:latin typeface="Microsoft JhengHei" panose="020B0604030504040204" pitchFamily="34" charset="-120"/>
-                <a:ea typeface="Microsoft JhengHei" panose="020B0604030504040204" pitchFamily="34" charset="-120"/>
-              </a:rPr>
-              <a:t>永遠與我同在</a:t>
+              <a:t>遠與我同在</a:t>
             </a:r>
             <a:endParaRPr lang="en-US" altLang="zh-TW" sz="6400" b="1" dirty="0">
               <a:solidFill>
@@ -4321,6 +4418,36 @@
               <a:buNone/>
             </a:pPr>
             <a:r>
+              <a:rPr lang="zh-TW" altLang="en-US" sz="6400" b="1" dirty="0" smtClean="0">
+                <a:solidFill>
+                  <a:srgbClr val="000066"/>
+                </a:solidFill>
+                <a:latin typeface="Microsoft JhengHei" panose="020B0604030504040204" pitchFamily="34" charset="-120"/>
+                <a:ea typeface="Microsoft JhengHei" panose="020B0604030504040204" pitchFamily="34" charset="-120"/>
+              </a:rPr>
+              <a:t>在</a:t>
+            </a:r>
+            <a:r>
+              <a:rPr lang="zh-CN" altLang="en-US" sz="6400" b="1" dirty="0" smtClean="0">
+                <a:solidFill>
+                  <a:srgbClr val="000066"/>
+                </a:solidFill>
+                <a:latin typeface="Microsoft JhengHei" panose="020B0604030504040204" pitchFamily="34" charset="-120"/>
+                <a:ea typeface="Microsoft JhengHei" panose="020B0604030504040204" pitchFamily="34" charset="-120"/>
+              </a:rPr>
+              <a:t>祢</a:t>
+            </a:r>
+            <a:r>
+              <a:rPr lang="zh-TW" altLang="en-US" sz="6400" b="1" dirty="0" smtClean="0">
+                <a:solidFill>
+                  <a:srgbClr val="000066"/>
+                </a:solidFill>
+                <a:latin typeface="Microsoft JhengHei" panose="020B0604030504040204" pitchFamily="34" charset="-120"/>
+                <a:ea typeface="Microsoft JhengHei" panose="020B0604030504040204" pitchFamily="34" charset="-120"/>
+              </a:rPr>
+              <a:t>裡</a:t>
+            </a:r>
+            <a:r>
               <a:rPr lang="zh-TW" altLang="en-US" sz="6400" b="1" dirty="0">
                 <a:solidFill>
                   <a:srgbClr val="000066"/>
@@ -4328,27 +4455,7 @@
                 <a:latin typeface="Microsoft JhengHei" panose="020B0604030504040204" pitchFamily="34" charset="-120"/>
                 <a:ea typeface="Microsoft JhengHei" panose="020B0604030504040204" pitchFamily="34" charset="-120"/>
               </a:rPr>
-              <a:t>在</a:t>
-            </a:r>
-            <a:r>
-              <a:rPr lang="zh-CN" altLang="en-US" sz="6400" b="1" dirty="0">
-                <a:solidFill>
-                  <a:srgbClr val="000066"/>
-                </a:solidFill>
-                <a:latin typeface="Microsoft JhengHei" panose="020B0604030504040204" pitchFamily="34" charset="-120"/>
-                <a:ea typeface="Microsoft JhengHei" panose="020B0604030504040204" pitchFamily="34" charset="-120"/>
-              </a:rPr>
-              <a:t>袮</a:t>
-            </a:r>
-            <a:r>
-              <a:rPr lang="zh-TW" altLang="en-US" sz="6400" b="1" dirty="0">
-                <a:solidFill>
-                  <a:srgbClr val="000066"/>
-                </a:solidFill>
-                <a:latin typeface="Microsoft JhengHei" panose="020B0604030504040204" pitchFamily="34" charset="-120"/>
-                <a:ea typeface="Microsoft JhengHei" panose="020B0604030504040204" pitchFamily="34" charset="-120"/>
-              </a:rPr>
-              <a:t>裡面沒有改變</a:t>
+              <a:t>面沒有改變</a:t>
             </a:r>
             <a:endParaRPr lang="en-US" altLang="zh-TW" sz="6400" b="1" dirty="0">
               <a:solidFill>
@@ -4411,17 +4518,7 @@
                 <a:latin typeface="Microsoft JhengHei" panose="020B0604030504040204" pitchFamily="34" charset="-120"/>
                 <a:ea typeface="Microsoft JhengHei" panose="020B0604030504040204" pitchFamily="34" charset="-120"/>
               </a:rPr>
-              <a:t> </a:t>
-            </a:r>
-            <a:r>
-              <a:rPr lang="en-US" sz="4400" b="1" dirty="0" smtClean="0">
-                <a:solidFill>
-                  <a:srgbClr val="000066"/>
-                </a:solidFill>
-                <a:latin typeface="Microsoft JhengHei" panose="020B0604030504040204" pitchFamily="34" charset="-120"/>
-                <a:ea typeface="Microsoft JhengHei" panose="020B0604030504040204" pitchFamily="34" charset="-120"/>
-              </a:rPr>
-              <a:t>)</a:t>
+              <a:t> )</a:t>
             </a:r>
             <a:endParaRPr lang="vi-VN" sz="4400" b="1" dirty="0">
               <a:solidFill>
@@ -4488,14 +4585,24 @@
               <a:buNone/>
             </a:pPr>
             <a:r>
-              <a:rPr lang="zh-CN" altLang="en-US" sz="6400" b="1" dirty="0">
-                <a:solidFill>
-                  <a:srgbClr val="000066"/>
-                </a:solidFill>
-                <a:latin typeface="Microsoft JhengHei" panose="020B0604030504040204" pitchFamily="34" charset="-120"/>
-                <a:ea typeface="Microsoft JhengHei" panose="020B0604030504040204" pitchFamily="34" charset="-120"/>
-              </a:rPr>
-              <a:t>袮</a:t>
+              <a:rPr lang="zh-CN" altLang="en-US" sz="6400" b="1" dirty="0" smtClean="0">
+                <a:solidFill>
+                  <a:srgbClr val="000066"/>
+                </a:solidFill>
+                <a:latin typeface="Microsoft JhengHei" panose="020B0604030504040204" pitchFamily="34" charset="-120"/>
+                <a:ea typeface="Microsoft JhengHei" panose="020B0604030504040204" pitchFamily="34" charset="-120"/>
+              </a:rPr>
+              <a:t>祢</a:t>
+            </a:r>
+            <a:r>
+              <a:rPr lang="zh-TW" altLang="en-US" sz="6400" b="1" dirty="0" smtClean="0">
+                <a:solidFill>
+                  <a:srgbClr val="000066"/>
+                </a:solidFill>
+                <a:latin typeface="Microsoft JhengHei" panose="020B0604030504040204" pitchFamily="34" charset="-120"/>
+                <a:ea typeface="Microsoft JhengHei" panose="020B0604030504040204" pitchFamily="34" charset="-120"/>
+              </a:rPr>
+              <a:t>的</a:t>
             </a:r>
             <a:r>
               <a:rPr lang="zh-TW" altLang="en-US" sz="6400" b="1" dirty="0">
@@ -4505,7 +4612,7 @@
                 <a:latin typeface="Microsoft JhengHei" panose="020B0604030504040204" pitchFamily="34" charset="-120"/>
                 <a:ea typeface="Microsoft JhengHei" panose="020B0604030504040204" pitchFamily="34" charset="-120"/>
               </a:rPr>
-              <a:t>的堅定  從昨日到今日</a:t>
+              <a:t>堅定  從昨日到今日</a:t>
             </a:r>
             <a:endParaRPr lang="en-US" altLang="zh-TW" sz="6400" b="1" dirty="0">
               <a:solidFill>
@@ -4590,17 +4697,7 @@
                 <a:latin typeface="Microsoft JhengHei" panose="020B0604030504040204" pitchFamily="34" charset="-120"/>
                 <a:ea typeface="Microsoft JhengHei" panose="020B0604030504040204" pitchFamily="34" charset="-120"/>
               </a:rPr>
-              <a:t> </a:t>
-            </a:r>
-            <a:r>
-              <a:rPr lang="en-US" sz="4400" b="1" dirty="0" smtClean="0">
-                <a:solidFill>
-                  <a:srgbClr val="000066"/>
-                </a:solidFill>
-                <a:latin typeface="Microsoft JhengHei" panose="020B0604030504040204" pitchFamily="34" charset="-120"/>
-                <a:ea typeface="Microsoft JhengHei" panose="020B0604030504040204" pitchFamily="34" charset="-120"/>
-              </a:rPr>
-              <a:t>)</a:t>
+              <a:t> )</a:t>
             </a:r>
             <a:endParaRPr lang="vi-VN" sz="4400" b="1" dirty="0">
               <a:solidFill>
@@ -4667,6 +4764,36 @@
               <a:buNone/>
             </a:pPr>
             <a:r>
+              <a:rPr lang="zh-TW" altLang="en-US" sz="6400" b="1" dirty="0" smtClean="0">
+                <a:solidFill>
+                  <a:srgbClr val="000066"/>
+                </a:solidFill>
+                <a:latin typeface="Microsoft JhengHei" panose="020B0604030504040204" pitchFamily="34" charset="-120"/>
+                <a:ea typeface="Microsoft JhengHei" panose="020B0604030504040204" pitchFamily="34" charset="-120"/>
+              </a:rPr>
+              <a:t>靠</a:t>
+            </a:r>
+            <a:r>
+              <a:rPr lang="zh-CN" altLang="en-US" sz="6400" b="1" dirty="0" smtClean="0">
+                <a:solidFill>
+                  <a:srgbClr val="000066"/>
+                </a:solidFill>
+                <a:latin typeface="Microsoft JhengHei" panose="020B0604030504040204" pitchFamily="34" charset="-120"/>
+                <a:ea typeface="Microsoft JhengHei" panose="020B0604030504040204" pitchFamily="34" charset="-120"/>
+              </a:rPr>
+              <a:t>祢</a:t>
+            </a:r>
+            <a:r>
+              <a:rPr lang="zh-TW" altLang="en-US" sz="6400" b="1" dirty="0" smtClean="0">
+                <a:solidFill>
+                  <a:srgbClr val="000066"/>
+                </a:solidFill>
+                <a:latin typeface="Microsoft JhengHei" panose="020B0604030504040204" pitchFamily="34" charset="-120"/>
+                <a:ea typeface="Microsoft JhengHei" panose="020B0604030504040204" pitchFamily="34" charset="-120"/>
+              </a:rPr>
+              <a:t>豐</a:t>
+            </a:r>
+            <a:r>
               <a:rPr lang="zh-TW" altLang="en-US" sz="6400" b="1" dirty="0">
                 <a:solidFill>
                   <a:srgbClr val="000066"/>
@@ -4674,27 +4801,7 @@
                 <a:latin typeface="Microsoft JhengHei" panose="020B0604030504040204" pitchFamily="34" charset="-120"/>
                 <a:ea typeface="Microsoft JhengHei" panose="020B0604030504040204" pitchFamily="34" charset="-120"/>
               </a:rPr>
-              <a:t>靠</a:t>
-            </a:r>
-            <a:r>
-              <a:rPr lang="zh-CN" altLang="en-US" sz="6400" b="1" dirty="0">
-                <a:solidFill>
-                  <a:srgbClr val="000066"/>
-                </a:solidFill>
-                <a:latin typeface="Microsoft JhengHei" panose="020B0604030504040204" pitchFamily="34" charset="-120"/>
-                <a:ea typeface="Microsoft JhengHei" panose="020B0604030504040204" pitchFamily="34" charset="-120"/>
-              </a:rPr>
-              <a:t>袮</a:t>
-            </a:r>
-            <a:r>
-              <a:rPr lang="zh-TW" altLang="en-US" sz="6400" b="1" dirty="0">
-                <a:solidFill>
-                  <a:srgbClr val="000066"/>
-                </a:solidFill>
-                <a:latin typeface="Microsoft JhengHei" panose="020B0604030504040204" pitchFamily="34" charset="-120"/>
-                <a:ea typeface="Microsoft JhengHei" panose="020B0604030504040204" pitchFamily="34" charset="-120"/>
-              </a:rPr>
-              <a:t>豐盛應許站立</a:t>
+              <a:t>盛應許站立</a:t>
             </a:r>
             <a:endParaRPr lang="en-US" altLang="zh-TW" sz="6400" b="1" dirty="0">
               <a:solidFill>
@@ -4716,17 +4823,37 @@
                 <a:latin typeface="Microsoft JhengHei" panose="020B0604030504040204" pitchFamily="34" charset="-120"/>
                 <a:ea typeface="Microsoft JhengHei" panose="020B0604030504040204" pitchFamily="34" charset="-120"/>
               </a:rPr>
-              <a:t>我的未來在</a:t>
-            </a:r>
-            <a:r>
-              <a:rPr lang="zh-CN" altLang="en-US" sz="6400" b="1" dirty="0">
-                <a:solidFill>
-                  <a:srgbClr val="000066"/>
-                </a:solidFill>
-                <a:latin typeface="Microsoft JhengHei" panose="020B0604030504040204" pitchFamily="34" charset="-120"/>
-                <a:ea typeface="Microsoft JhengHei" panose="020B0604030504040204" pitchFamily="34" charset="-120"/>
-              </a:rPr>
-              <a:t>袮</a:t>
+              <a:t>我的未來</a:t>
+            </a:r>
+            <a:r>
+              <a:rPr lang="zh-TW" altLang="en-US" sz="6400" b="1" dirty="0" smtClean="0">
+                <a:solidFill>
+                  <a:srgbClr val="000066"/>
+                </a:solidFill>
+                <a:latin typeface="Microsoft JhengHei" panose="020B0604030504040204" pitchFamily="34" charset="-120"/>
+                <a:ea typeface="Microsoft JhengHei" panose="020B0604030504040204" pitchFamily="34" charset="-120"/>
+              </a:rPr>
+              <a:t>在</a:t>
+            </a:r>
+            <a:r>
+              <a:rPr lang="zh-CN" altLang="en-US" sz="6400" b="1" dirty="0" smtClean="0">
+                <a:solidFill>
+                  <a:srgbClr val="000066"/>
+                </a:solidFill>
+                <a:latin typeface="Microsoft JhengHei" panose="020B0604030504040204" pitchFamily="34" charset="-120"/>
+                <a:ea typeface="Microsoft JhengHei" panose="020B0604030504040204" pitchFamily="34" charset="-120"/>
+              </a:rPr>
+              <a:t>祢</a:t>
+            </a:r>
+            <a:r>
+              <a:rPr lang="zh-TW" altLang="en-US" sz="6400" b="1" dirty="0" smtClean="0">
+                <a:solidFill>
+                  <a:srgbClr val="000066"/>
+                </a:solidFill>
+                <a:latin typeface="Microsoft JhengHei" panose="020B0604030504040204" pitchFamily="34" charset="-120"/>
+                <a:ea typeface="Microsoft JhengHei" panose="020B0604030504040204" pitchFamily="34" charset="-120"/>
+              </a:rPr>
+              <a:t>手</a:t>
             </a:r>
             <a:r>
               <a:rPr lang="zh-TW" altLang="en-US" sz="6400" b="1" dirty="0">
@@ -4736,7 +4863,7 @@
                 <a:latin typeface="Microsoft JhengHei" panose="020B0604030504040204" pitchFamily="34" charset="-120"/>
                 <a:ea typeface="Microsoft JhengHei" panose="020B0604030504040204" pitchFamily="34" charset="-120"/>
               </a:rPr>
-              <a:t>手中</a:t>
+              <a:t>中</a:t>
             </a:r>
             <a:endParaRPr lang="en-US" altLang="zh-TW" sz="6400" b="1" dirty="0">
               <a:solidFill>
@@ -4799,17 +4926,7 @@
                 <a:latin typeface="Microsoft JhengHei" panose="020B0604030504040204" pitchFamily="34" charset="-120"/>
                 <a:ea typeface="Microsoft JhengHei" panose="020B0604030504040204" pitchFamily="34" charset="-120"/>
               </a:rPr>
-              <a:t> </a:t>
-            </a:r>
-            <a:r>
-              <a:rPr lang="en-US" sz="4400" b="1" dirty="0" smtClean="0">
-                <a:solidFill>
-                  <a:srgbClr val="000066"/>
-                </a:solidFill>
-                <a:latin typeface="Microsoft JhengHei" panose="020B0604030504040204" pitchFamily="34" charset="-120"/>
-                <a:ea typeface="Microsoft JhengHei" panose="020B0604030504040204" pitchFamily="34" charset="-120"/>
-              </a:rPr>
-              <a:t>)</a:t>
+              <a:t> )</a:t>
             </a:r>
             <a:endParaRPr lang="vi-VN" sz="4400" b="1" dirty="0">
               <a:solidFill>
